--- a/ppt/웹접근성 관련.pptx
+++ b/ppt/웹접근성 관련.pptx
@@ -12,8 +12,13 @@
     <p:sldId id="289" r:id="rId6"/>
     <p:sldId id="285" r:id="rId7"/>
     <p:sldId id="286" r:id="rId8"/>
-    <p:sldId id="287" r:id="rId9"/>
-    <p:sldId id="288" r:id="rId10"/>
+    <p:sldId id="291" r:id="rId9"/>
+    <p:sldId id="292" r:id="rId10"/>
+    <p:sldId id="293" r:id="rId11"/>
+    <p:sldId id="294" r:id="rId12"/>
+    <p:sldId id="295" r:id="rId13"/>
+    <p:sldId id="287" r:id="rId14"/>
+    <p:sldId id="288" r:id="rId15"/>
   </p:sldIdLst>
   <p:sldSz cx="12192000" cy="6858000"/>
   <p:notesSz cx="6858000" cy="9144000"/>
@@ -249,7 +254,7 @@
           <a:p>
             <a:fld id="{D203A8F8-6A3C-431B-BFF3-386CC4580D21}" type="datetimeFigureOut">
               <a:rPr lang="ko-KR" altLang="en-US" smtClean="0"/>
-              <a:t>2022-06-07</a:t>
+              <a:t>2022-06-09</a:t>
             </a:fld>
             <a:endParaRPr lang="ko-KR" altLang="en-US"/>
           </a:p>
@@ -417,7 +422,7 @@
           <a:p>
             <a:fld id="{D203A8F8-6A3C-431B-BFF3-386CC4580D21}" type="datetimeFigureOut">
               <a:rPr lang="ko-KR" altLang="en-US" smtClean="0"/>
-              <a:t>2022-06-07</a:t>
+              <a:t>2022-06-09</a:t>
             </a:fld>
             <a:endParaRPr lang="ko-KR" altLang="en-US"/>
           </a:p>
@@ -595,7 +600,7 @@
           <a:p>
             <a:fld id="{D203A8F8-6A3C-431B-BFF3-386CC4580D21}" type="datetimeFigureOut">
               <a:rPr lang="ko-KR" altLang="en-US" smtClean="0"/>
-              <a:t>2022-06-07</a:t>
+              <a:t>2022-06-09</a:t>
             </a:fld>
             <a:endParaRPr lang="ko-KR" altLang="en-US"/>
           </a:p>
@@ -763,7 +768,7 @@
           <a:p>
             <a:fld id="{D203A8F8-6A3C-431B-BFF3-386CC4580D21}" type="datetimeFigureOut">
               <a:rPr lang="ko-KR" altLang="en-US" smtClean="0"/>
-              <a:t>2022-06-07</a:t>
+              <a:t>2022-06-09</a:t>
             </a:fld>
             <a:endParaRPr lang="ko-KR" altLang="en-US"/>
           </a:p>
@@ -1008,7 +1013,7 @@
           <a:p>
             <a:fld id="{D203A8F8-6A3C-431B-BFF3-386CC4580D21}" type="datetimeFigureOut">
               <a:rPr lang="ko-KR" altLang="en-US" smtClean="0"/>
-              <a:t>2022-06-07</a:t>
+              <a:t>2022-06-09</a:t>
             </a:fld>
             <a:endParaRPr lang="ko-KR" altLang="en-US"/>
           </a:p>
@@ -1237,7 +1242,7 @@
           <a:p>
             <a:fld id="{D203A8F8-6A3C-431B-BFF3-386CC4580D21}" type="datetimeFigureOut">
               <a:rPr lang="ko-KR" altLang="en-US" smtClean="0"/>
-              <a:t>2022-06-07</a:t>
+              <a:t>2022-06-09</a:t>
             </a:fld>
             <a:endParaRPr lang="ko-KR" altLang="en-US"/>
           </a:p>
@@ -1601,7 +1606,7 @@
           <a:p>
             <a:fld id="{D203A8F8-6A3C-431B-BFF3-386CC4580D21}" type="datetimeFigureOut">
               <a:rPr lang="ko-KR" altLang="en-US" smtClean="0"/>
-              <a:t>2022-06-07</a:t>
+              <a:t>2022-06-09</a:t>
             </a:fld>
             <a:endParaRPr lang="ko-KR" altLang="en-US"/>
           </a:p>
@@ -1718,7 +1723,7 @@
           <a:p>
             <a:fld id="{D203A8F8-6A3C-431B-BFF3-386CC4580D21}" type="datetimeFigureOut">
               <a:rPr lang="ko-KR" altLang="en-US" smtClean="0"/>
-              <a:t>2022-06-07</a:t>
+              <a:t>2022-06-09</a:t>
             </a:fld>
             <a:endParaRPr lang="ko-KR" altLang="en-US"/>
           </a:p>
@@ -1813,7 +1818,7 @@
           <a:p>
             <a:fld id="{D203A8F8-6A3C-431B-BFF3-386CC4580D21}" type="datetimeFigureOut">
               <a:rPr lang="ko-KR" altLang="en-US" smtClean="0"/>
-              <a:t>2022-06-07</a:t>
+              <a:t>2022-06-09</a:t>
             </a:fld>
             <a:endParaRPr lang="ko-KR" altLang="en-US"/>
           </a:p>
@@ -2088,7 +2093,7 @@
           <a:p>
             <a:fld id="{D203A8F8-6A3C-431B-BFF3-386CC4580D21}" type="datetimeFigureOut">
               <a:rPr lang="ko-KR" altLang="en-US" smtClean="0"/>
-              <a:t>2022-06-07</a:t>
+              <a:t>2022-06-09</a:t>
             </a:fld>
             <a:endParaRPr lang="ko-KR" altLang="en-US"/>
           </a:p>
@@ -2340,7 +2345,7 @@
           <a:p>
             <a:fld id="{D203A8F8-6A3C-431B-BFF3-386CC4580D21}" type="datetimeFigureOut">
               <a:rPr lang="ko-KR" altLang="en-US" smtClean="0"/>
-              <a:t>2022-06-07</a:t>
+              <a:t>2022-06-09</a:t>
             </a:fld>
             <a:endParaRPr lang="ko-KR" altLang="en-US"/>
           </a:p>
@@ -2551,7 +2556,7 @@
           <a:p>
             <a:fld id="{D203A8F8-6A3C-431B-BFF3-386CC4580D21}" type="datetimeFigureOut">
               <a:rPr lang="ko-KR" altLang="en-US" smtClean="0"/>
-              <a:t>2022-06-07</a:t>
+              <a:t>2022-06-09</a:t>
             </a:fld>
             <a:endParaRPr lang="ko-KR" altLang="en-US"/>
           </a:p>
@@ -3207,6 +3212,336 @@
 </p:sld>
 </file>
 
+<file path=ppt/slides/slide10.xml><?xml version="1.0" encoding="utf-8"?>
+<p:sld xmlns:a="http://schemas.openxmlformats.org/drawingml/2006/main" xmlns:r="http://schemas.openxmlformats.org/officeDocument/2006/relationships" xmlns:p="http://schemas.openxmlformats.org/presentationml/2006/main">
+  <p:cSld>
+    <p:spTree>
+      <p:nvGrpSpPr>
+        <p:cNvPr id="1" name=""/>
+        <p:cNvGrpSpPr/>
+        <p:nvPr/>
+      </p:nvGrpSpPr>
+      <p:grpSpPr>
+        <a:xfrm>
+          <a:off x="0" y="0"/>
+          <a:ext cx="0" cy="0"/>
+          <a:chOff x="0" y="0"/>
+          <a:chExt cx="0" cy="0"/>
+        </a:xfrm>
+      </p:grpSpPr>
+      <p:sp>
+        <p:nvSpPr>
+          <p:cNvPr id="2" name="TextBox 1">
+            <a:extLst>
+              <a:ext uri="{FF2B5EF4-FFF2-40B4-BE49-F238E27FC236}">
+                <a16:creationId xmlns:a16="http://schemas.microsoft.com/office/drawing/2014/main" id="{B35CC9F4-688C-7A8A-DB21-ECB6CE0C04A9}"/>
+              </a:ext>
+            </a:extLst>
+          </p:cNvPr>
+          <p:cNvSpPr txBox="1"/>
+          <p:nvPr/>
+        </p:nvSpPr>
+        <p:spPr>
+          <a:xfrm>
+            <a:off x="299803" y="217357"/>
+            <a:ext cx="944489" cy="369332"/>
+          </a:xfrm>
+          <a:prstGeom prst="rect">
+            <a:avLst/>
+          </a:prstGeom>
+          <a:noFill/>
+        </p:spPr>
+        <p:txBody>
+          <a:bodyPr wrap="none" rtlCol="0">
+            <a:spAutoFit/>
+          </a:bodyPr>
+          <a:lstStyle/>
+          <a:p>
+            <a:r>
+              <a:rPr lang="en-US" altLang="ko-KR" dirty="0"/>
+              <a:t>111111</a:t>
+            </a:r>
+            <a:endParaRPr lang="ko-KR" altLang="en-US" dirty="0"/>
+          </a:p>
+        </p:txBody>
+      </p:sp>
+    </p:spTree>
+    <p:extLst>
+      <p:ext uri="{BB962C8B-B14F-4D97-AF65-F5344CB8AC3E}">
+        <p14:creationId xmlns:p14="http://schemas.microsoft.com/office/powerpoint/2010/main" val="4282395024"/>
+      </p:ext>
+    </p:extLst>
+  </p:cSld>
+  <p:clrMapOvr>
+    <a:masterClrMapping/>
+  </p:clrMapOvr>
+</p:sld>
+</file>
+
+<file path=ppt/slides/slide11.xml><?xml version="1.0" encoding="utf-8"?>
+<p:sld xmlns:a="http://schemas.openxmlformats.org/drawingml/2006/main" xmlns:r="http://schemas.openxmlformats.org/officeDocument/2006/relationships" xmlns:p="http://schemas.openxmlformats.org/presentationml/2006/main">
+  <p:cSld>
+    <p:spTree>
+      <p:nvGrpSpPr>
+        <p:cNvPr id="1" name=""/>
+        <p:cNvGrpSpPr/>
+        <p:nvPr/>
+      </p:nvGrpSpPr>
+      <p:grpSpPr>
+        <a:xfrm>
+          <a:off x="0" y="0"/>
+          <a:ext cx="0" cy="0"/>
+          <a:chOff x="0" y="0"/>
+          <a:chExt cx="0" cy="0"/>
+        </a:xfrm>
+      </p:grpSpPr>
+      <p:sp>
+        <p:nvSpPr>
+          <p:cNvPr id="2" name="TextBox 1">
+            <a:extLst>
+              <a:ext uri="{FF2B5EF4-FFF2-40B4-BE49-F238E27FC236}">
+                <a16:creationId xmlns:a16="http://schemas.microsoft.com/office/drawing/2014/main" id="{B35CC9F4-688C-7A8A-DB21-ECB6CE0C04A9}"/>
+              </a:ext>
+            </a:extLst>
+          </p:cNvPr>
+          <p:cNvSpPr txBox="1"/>
+          <p:nvPr/>
+        </p:nvSpPr>
+        <p:spPr>
+          <a:xfrm>
+            <a:off x="299803" y="217357"/>
+            <a:ext cx="944489" cy="369332"/>
+          </a:xfrm>
+          <a:prstGeom prst="rect">
+            <a:avLst/>
+          </a:prstGeom>
+          <a:noFill/>
+        </p:spPr>
+        <p:txBody>
+          <a:bodyPr wrap="none" rtlCol="0">
+            <a:spAutoFit/>
+          </a:bodyPr>
+          <a:lstStyle/>
+          <a:p>
+            <a:r>
+              <a:rPr lang="en-US" altLang="ko-KR" dirty="0"/>
+              <a:t>111111</a:t>
+            </a:r>
+            <a:endParaRPr lang="ko-KR" altLang="en-US" dirty="0"/>
+          </a:p>
+        </p:txBody>
+      </p:sp>
+    </p:spTree>
+    <p:extLst>
+      <p:ext uri="{BB962C8B-B14F-4D97-AF65-F5344CB8AC3E}">
+        <p14:creationId xmlns:p14="http://schemas.microsoft.com/office/powerpoint/2010/main" val="2351975111"/>
+      </p:ext>
+    </p:extLst>
+  </p:cSld>
+  <p:clrMapOvr>
+    <a:masterClrMapping/>
+  </p:clrMapOvr>
+</p:sld>
+</file>
+
+<file path=ppt/slides/slide12.xml><?xml version="1.0" encoding="utf-8"?>
+<p:sld xmlns:a="http://schemas.openxmlformats.org/drawingml/2006/main" xmlns:r="http://schemas.openxmlformats.org/officeDocument/2006/relationships" xmlns:p="http://schemas.openxmlformats.org/presentationml/2006/main">
+  <p:cSld>
+    <p:spTree>
+      <p:nvGrpSpPr>
+        <p:cNvPr id="1" name=""/>
+        <p:cNvGrpSpPr/>
+        <p:nvPr/>
+      </p:nvGrpSpPr>
+      <p:grpSpPr>
+        <a:xfrm>
+          <a:off x="0" y="0"/>
+          <a:ext cx="0" cy="0"/>
+          <a:chOff x="0" y="0"/>
+          <a:chExt cx="0" cy="0"/>
+        </a:xfrm>
+      </p:grpSpPr>
+      <p:sp>
+        <p:nvSpPr>
+          <p:cNvPr id="2" name="TextBox 1">
+            <a:extLst>
+              <a:ext uri="{FF2B5EF4-FFF2-40B4-BE49-F238E27FC236}">
+                <a16:creationId xmlns:a16="http://schemas.microsoft.com/office/drawing/2014/main" id="{B35CC9F4-688C-7A8A-DB21-ECB6CE0C04A9}"/>
+              </a:ext>
+            </a:extLst>
+          </p:cNvPr>
+          <p:cNvSpPr txBox="1"/>
+          <p:nvPr/>
+        </p:nvSpPr>
+        <p:spPr>
+          <a:xfrm>
+            <a:off x="299803" y="217357"/>
+            <a:ext cx="944489" cy="369332"/>
+          </a:xfrm>
+          <a:prstGeom prst="rect">
+            <a:avLst/>
+          </a:prstGeom>
+          <a:noFill/>
+        </p:spPr>
+        <p:txBody>
+          <a:bodyPr wrap="none" rtlCol="0">
+            <a:spAutoFit/>
+          </a:bodyPr>
+          <a:lstStyle/>
+          <a:p>
+            <a:r>
+              <a:rPr lang="en-US" altLang="ko-KR" dirty="0"/>
+              <a:t>111111</a:t>
+            </a:r>
+            <a:endParaRPr lang="ko-KR" altLang="en-US" dirty="0"/>
+          </a:p>
+        </p:txBody>
+      </p:sp>
+    </p:spTree>
+    <p:extLst>
+      <p:ext uri="{BB962C8B-B14F-4D97-AF65-F5344CB8AC3E}">
+        <p14:creationId xmlns:p14="http://schemas.microsoft.com/office/powerpoint/2010/main" val="3084232163"/>
+      </p:ext>
+    </p:extLst>
+  </p:cSld>
+  <p:clrMapOvr>
+    <a:masterClrMapping/>
+  </p:clrMapOvr>
+</p:sld>
+</file>
+
+<file path=ppt/slides/slide13.xml><?xml version="1.0" encoding="utf-8"?>
+<p:sld xmlns:a="http://schemas.openxmlformats.org/drawingml/2006/main" xmlns:r="http://schemas.openxmlformats.org/officeDocument/2006/relationships" xmlns:p="http://schemas.openxmlformats.org/presentationml/2006/main">
+  <p:cSld>
+    <p:spTree>
+      <p:nvGrpSpPr>
+        <p:cNvPr id="1" name=""/>
+        <p:cNvGrpSpPr/>
+        <p:nvPr/>
+      </p:nvGrpSpPr>
+      <p:grpSpPr>
+        <a:xfrm>
+          <a:off x="0" y="0"/>
+          <a:ext cx="0" cy="0"/>
+          <a:chOff x="0" y="0"/>
+          <a:chExt cx="0" cy="0"/>
+        </a:xfrm>
+      </p:grpSpPr>
+      <p:sp>
+        <p:nvSpPr>
+          <p:cNvPr id="2" name="TextBox 1">
+            <a:extLst>
+              <a:ext uri="{FF2B5EF4-FFF2-40B4-BE49-F238E27FC236}">
+                <a16:creationId xmlns:a16="http://schemas.microsoft.com/office/drawing/2014/main" id="{B35CC9F4-688C-7A8A-DB21-ECB6CE0C04A9}"/>
+              </a:ext>
+            </a:extLst>
+          </p:cNvPr>
+          <p:cNvSpPr txBox="1"/>
+          <p:nvPr/>
+        </p:nvSpPr>
+        <p:spPr>
+          <a:xfrm>
+            <a:off x="299803" y="217357"/>
+            <a:ext cx="944489" cy="369332"/>
+          </a:xfrm>
+          <a:prstGeom prst="rect">
+            <a:avLst/>
+          </a:prstGeom>
+          <a:noFill/>
+        </p:spPr>
+        <p:txBody>
+          <a:bodyPr wrap="none" rtlCol="0">
+            <a:spAutoFit/>
+          </a:bodyPr>
+          <a:lstStyle/>
+          <a:p>
+            <a:r>
+              <a:rPr lang="en-US" altLang="ko-KR" dirty="0"/>
+              <a:t>111111</a:t>
+            </a:r>
+            <a:endParaRPr lang="ko-KR" altLang="en-US" dirty="0"/>
+          </a:p>
+        </p:txBody>
+      </p:sp>
+    </p:spTree>
+    <p:extLst>
+      <p:ext uri="{BB962C8B-B14F-4D97-AF65-F5344CB8AC3E}">
+        <p14:creationId xmlns:p14="http://schemas.microsoft.com/office/powerpoint/2010/main" val="3392311031"/>
+      </p:ext>
+    </p:extLst>
+  </p:cSld>
+  <p:clrMapOvr>
+    <a:masterClrMapping/>
+  </p:clrMapOvr>
+</p:sld>
+</file>
+
+<file path=ppt/slides/slide14.xml><?xml version="1.0" encoding="utf-8"?>
+<p:sld xmlns:a="http://schemas.openxmlformats.org/drawingml/2006/main" xmlns:r="http://schemas.openxmlformats.org/officeDocument/2006/relationships" xmlns:p="http://schemas.openxmlformats.org/presentationml/2006/main">
+  <p:cSld>
+    <p:spTree>
+      <p:nvGrpSpPr>
+        <p:cNvPr id="1" name=""/>
+        <p:cNvGrpSpPr/>
+        <p:nvPr/>
+      </p:nvGrpSpPr>
+      <p:grpSpPr>
+        <a:xfrm>
+          <a:off x="0" y="0"/>
+          <a:ext cx="0" cy="0"/>
+          <a:chOff x="0" y="0"/>
+          <a:chExt cx="0" cy="0"/>
+        </a:xfrm>
+      </p:grpSpPr>
+      <p:sp>
+        <p:nvSpPr>
+          <p:cNvPr id="2" name="TextBox 1">
+            <a:extLst>
+              <a:ext uri="{FF2B5EF4-FFF2-40B4-BE49-F238E27FC236}">
+                <a16:creationId xmlns:a16="http://schemas.microsoft.com/office/drawing/2014/main" id="{B35CC9F4-688C-7A8A-DB21-ECB6CE0C04A9}"/>
+              </a:ext>
+            </a:extLst>
+          </p:cNvPr>
+          <p:cNvSpPr txBox="1"/>
+          <p:nvPr/>
+        </p:nvSpPr>
+        <p:spPr>
+          <a:xfrm>
+            <a:off x="299803" y="217357"/>
+            <a:ext cx="944489" cy="369332"/>
+          </a:xfrm>
+          <a:prstGeom prst="rect">
+            <a:avLst/>
+          </a:prstGeom>
+          <a:noFill/>
+        </p:spPr>
+        <p:txBody>
+          <a:bodyPr wrap="none" rtlCol="0">
+            <a:spAutoFit/>
+          </a:bodyPr>
+          <a:lstStyle/>
+          <a:p>
+            <a:r>
+              <a:rPr lang="en-US" altLang="ko-KR" dirty="0"/>
+              <a:t>111111</a:t>
+            </a:r>
+            <a:endParaRPr lang="ko-KR" altLang="en-US" dirty="0"/>
+          </a:p>
+        </p:txBody>
+      </p:sp>
+    </p:spTree>
+    <p:extLst>
+      <p:ext uri="{BB962C8B-B14F-4D97-AF65-F5344CB8AC3E}">
+        <p14:creationId xmlns:p14="http://schemas.microsoft.com/office/powerpoint/2010/main" val="223767511"/>
+      </p:ext>
+    </p:extLst>
+  </p:cSld>
+  <p:clrMapOvr>
+    <a:masterClrMapping/>
+  </p:clrMapOvr>
+</p:sld>
+</file>
+
 <file path=ppt/slides/slide2.xml><?xml version="1.0" encoding="utf-8"?>
 <p:sld xmlns:a="http://schemas.openxmlformats.org/drawingml/2006/main" xmlns:r="http://schemas.openxmlformats.org/officeDocument/2006/relationships" xmlns:p="http://schemas.openxmlformats.org/presentationml/2006/main">
   <p:cSld>
@@ -3577,7 +3912,7 @@
                 <a:effectLst/>
                 <a:latin typeface="Consolas" panose="020B0609020204030204" pitchFamily="49" charset="0"/>
               </a:rPr>
-              <a:t>Invisible </a:t>
+              <a:t>invisible </a:t>
             </a:r>
             <a:r>
               <a:rPr lang="ko-KR" altLang="en-US" sz="1400" b="0" dirty="0">
@@ -4774,7 +5109,7 @@
         <p:spPr>
           <a:xfrm>
             <a:off x="299803" y="217357"/>
-            <a:ext cx="944489" cy="369332"/>
+            <a:ext cx="1872629" cy="369332"/>
           </a:xfrm>
           <a:prstGeom prst="rect">
             <a:avLst/>
@@ -4789,16 +5124,328 @@
           <a:p>
             <a:r>
               <a:rPr lang="en-US" altLang="ko-KR" dirty="0"/>
-              <a:t>111111</a:t>
+              <a:t>UI-SJN-01-001U</a:t>
             </a:r>
             <a:endParaRPr lang="ko-KR" altLang="en-US" dirty="0"/>
           </a:p>
         </p:txBody>
       </p:sp>
+      <p:pic>
+        <p:nvPicPr>
+          <p:cNvPr id="4" name="그림 3">
+            <a:extLst>
+              <a:ext uri="{FF2B5EF4-FFF2-40B4-BE49-F238E27FC236}">
+                <a16:creationId xmlns:a16="http://schemas.microsoft.com/office/drawing/2014/main" id="{29EDA5A0-6B99-A643-922A-5D6E28FFD7C8}"/>
+              </a:ext>
+            </a:extLst>
+          </p:cNvPr>
+          <p:cNvPicPr>
+            <a:picLocks noChangeAspect="1"/>
+          </p:cNvPicPr>
+          <p:nvPr/>
+        </p:nvPicPr>
+        <p:blipFill>
+          <a:blip r:embed="rId2"/>
+          <a:stretch>
+            <a:fillRect/>
+          </a:stretch>
+        </p:blipFill>
+        <p:spPr>
+          <a:xfrm>
+            <a:off x="623857" y="940891"/>
+            <a:ext cx="428685" cy="600159"/>
+          </a:xfrm>
+          <a:prstGeom prst="rect">
+            <a:avLst/>
+          </a:prstGeom>
+        </p:spPr>
+      </p:pic>
+      <p:pic>
+        <p:nvPicPr>
+          <p:cNvPr id="6" name="그림 5">
+            <a:extLst>
+              <a:ext uri="{FF2B5EF4-FFF2-40B4-BE49-F238E27FC236}">
+                <a16:creationId xmlns:a16="http://schemas.microsoft.com/office/drawing/2014/main" id="{263FFA7D-C11C-86C1-9439-139291AFC750}"/>
+              </a:ext>
+            </a:extLst>
+          </p:cNvPr>
+          <p:cNvPicPr>
+            <a:picLocks noChangeAspect="1"/>
+          </p:cNvPicPr>
+          <p:nvPr/>
+        </p:nvPicPr>
+        <p:blipFill>
+          <a:blip r:embed="rId3"/>
+          <a:stretch>
+            <a:fillRect/>
+          </a:stretch>
+        </p:blipFill>
+        <p:spPr>
+          <a:xfrm>
+            <a:off x="1221830" y="1031391"/>
+            <a:ext cx="2048161" cy="209579"/>
+          </a:xfrm>
+          <a:prstGeom prst="rect">
+            <a:avLst/>
+          </a:prstGeom>
+        </p:spPr>
+      </p:pic>
+      <p:pic>
+        <p:nvPicPr>
+          <p:cNvPr id="8" name="그림 7">
+            <a:extLst>
+              <a:ext uri="{FF2B5EF4-FFF2-40B4-BE49-F238E27FC236}">
+                <a16:creationId xmlns:a16="http://schemas.microsoft.com/office/drawing/2014/main" id="{F6D06211-EA49-6E3A-EFFD-826568055873}"/>
+              </a:ext>
+            </a:extLst>
+          </p:cNvPr>
+          <p:cNvPicPr>
+            <a:picLocks noChangeAspect="1"/>
+          </p:cNvPicPr>
+          <p:nvPr/>
+        </p:nvPicPr>
+        <p:blipFill>
+          <a:blip r:embed="rId4"/>
+          <a:stretch>
+            <a:fillRect/>
+          </a:stretch>
+        </p:blipFill>
+        <p:spPr>
+          <a:xfrm>
+            <a:off x="540697" y="1895252"/>
+            <a:ext cx="3410426" cy="543001"/>
+          </a:xfrm>
+          <a:prstGeom prst="rect">
+            <a:avLst/>
+          </a:prstGeom>
+        </p:spPr>
+      </p:pic>
+      <p:pic>
+        <p:nvPicPr>
+          <p:cNvPr id="10" name="그림 9">
+            <a:extLst>
+              <a:ext uri="{FF2B5EF4-FFF2-40B4-BE49-F238E27FC236}">
+                <a16:creationId xmlns:a16="http://schemas.microsoft.com/office/drawing/2014/main" id="{7F6778B0-412F-C0CA-E58A-6356DA91F902}"/>
+              </a:ext>
+            </a:extLst>
+          </p:cNvPr>
+          <p:cNvPicPr>
+            <a:picLocks noChangeAspect="1"/>
+          </p:cNvPicPr>
+          <p:nvPr/>
+        </p:nvPicPr>
+        <p:blipFill>
+          <a:blip r:embed="rId5"/>
+          <a:stretch>
+            <a:fillRect/>
+          </a:stretch>
+        </p:blipFill>
+        <p:spPr>
+          <a:xfrm>
+            <a:off x="4338544" y="1919067"/>
+            <a:ext cx="1343212" cy="247685"/>
+          </a:xfrm>
+          <a:prstGeom prst="rect">
+            <a:avLst/>
+          </a:prstGeom>
+        </p:spPr>
+      </p:pic>
+      <p:pic>
+        <p:nvPicPr>
+          <p:cNvPr id="12" name="그림 11">
+            <a:extLst>
+              <a:ext uri="{FF2B5EF4-FFF2-40B4-BE49-F238E27FC236}">
+                <a16:creationId xmlns:a16="http://schemas.microsoft.com/office/drawing/2014/main" id="{F862DAC7-87EA-989C-F362-D7AB734762EE}"/>
+              </a:ext>
+            </a:extLst>
+          </p:cNvPr>
+          <p:cNvPicPr>
+            <a:picLocks noChangeAspect="1"/>
+          </p:cNvPicPr>
+          <p:nvPr/>
+        </p:nvPicPr>
+        <p:blipFill>
+          <a:blip r:embed="rId6"/>
+          <a:stretch>
+            <a:fillRect/>
+          </a:stretch>
+        </p:blipFill>
+        <p:spPr>
+          <a:xfrm>
+            <a:off x="4338544" y="2329450"/>
+            <a:ext cx="3829584" cy="1333686"/>
+          </a:xfrm>
+          <a:prstGeom prst="rect">
+            <a:avLst/>
+          </a:prstGeom>
+        </p:spPr>
+      </p:pic>
+      <p:cxnSp>
+        <p:nvCxnSpPr>
+          <p:cNvPr id="14" name="직선 연결선 13">
+            <a:extLst>
+              <a:ext uri="{FF2B5EF4-FFF2-40B4-BE49-F238E27FC236}">
+                <a16:creationId xmlns:a16="http://schemas.microsoft.com/office/drawing/2014/main" id="{434D0179-97A0-AB8D-DDA1-9071FC863C09}"/>
+              </a:ext>
+            </a:extLst>
+          </p:cNvPr>
+          <p:cNvCxnSpPr/>
+          <p:nvPr/>
+        </p:nvCxnSpPr>
+        <p:spPr>
+          <a:xfrm>
+            <a:off x="540697" y="1738993"/>
+            <a:ext cx="10995439" cy="0"/>
+          </a:xfrm>
+          <a:prstGeom prst="line">
+            <a:avLst/>
+          </a:prstGeom>
+        </p:spPr>
+        <p:style>
+          <a:lnRef idx="1">
+            <a:schemeClr val="accent1"/>
+          </a:lnRef>
+          <a:fillRef idx="0">
+            <a:schemeClr val="accent1"/>
+          </a:fillRef>
+          <a:effectRef idx="0">
+            <a:schemeClr val="accent1"/>
+          </a:effectRef>
+          <a:fontRef idx="minor">
+            <a:schemeClr val="tx1"/>
+          </a:fontRef>
+        </p:style>
+      </p:cxnSp>
+      <p:cxnSp>
+        <p:nvCxnSpPr>
+          <p:cNvPr id="15" name="직선 연결선 14">
+            <a:extLst>
+              <a:ext uri="{FF2B5EF4-FFF2-40B4-BE49-F238E27FC236}">
+                <a16:creationId xmlns:a16="http://schemas.microsoft.com/office/drawing/2014/main" id="{EE56837E-DB0D-4B1D-BC88-666030C49F9B}"/>
+              </a:ext>
+            </a:extLst>
+          </p:cNvPr>
+          <p:cNvCxnSpPr/>
+          <p:nvPr/>
+        </p:nvCxnSpPr>
+        <p:spPr>
+          <a:xfrm>
+            <a:off x="540697" y="3992336"/>
+            <a:ext cx="10995439" cy="0"/>
+          </a:xfrm>
+          <a:prstGeom prst="line">
+            <a:avLst/>
+          </a:prstGeom>
+        </p:spPr>
+        <p:style>
+          <a:lnRef idx="1">
+            <a:schemeClr val="accent1"/>
+          </a:lnRef>
+          <a:fillRef idx="0">
+            <a:schemeClr val="accent1"/>
+          </a:fillRef>
+          <a:effectRef idx="0">
+            <a:schemeClr val="accent1"/>
+          </a:effectRef>
+          <a:fontRef idx="minor">
+            <a:schemeClr val="tx1"/>
+          </a:fontRef>
+        </p:style>
+      </p:cxnSp>
+      <p:pic>
+        <p:nvPicPr>
+          <p:cNvPr id="17" name="그림 16">
+            <a:extLst>
+              <a:ext uri="{FF2B5EF4-FFF2-40B4-BE49-F238E27FC236}">
+                <a16:creationId xmlns:a16="http://schemas.microsoft.com/office/drawing/2014/main" id="{BB83D63A-D18C-6C6D-5070-23DF8B7FBD82}"/>
+              </a:ext>
+            </a:extLst>
+          </p:cNvPr>
+          <p:cNvPicPr>
+            <a:picLocks noChangeAspect="1"/>
+          </p:cNvPicPr>
+          <p:nvPr/>
+        </p:nvPicPr>
+        <p:blipFill>
+          <a:blip r:embed="rId7"/>
+          <a:stretch>
+            <a:fillRect/>
+          </a:stretch>
+        </p:blipFill>
+        <p:spPr>
+          <a:xfrm>
+            <a:off x="540697" y="4321537"/>
+            <a:ext cx="2867425" cy="600159"/>
+          </a:xfrm>
+          <a:prstGeom prst="rect">
+            <a:avLst/>
+          </a:prstGeom>
+        </p:spPr>
+      </p:pic>
+      <p:pic>
+        <p:nvPicPr>
+          <p:cNvPr id="19" name="그림 18">
+            <a:extLst>
+              <a:ext uri="{FF2B5EF4-FFF2-40B4-BE49-F238E27FC236}">
+                <a16:creationId xmlns:a16="http://schemas.microsoft.com/office/drawing/2014/main" id="{9826163D-FD24-8CFC-D1B4-916F87C11160}"/>
+              </a:ext>
+            </a:extLst>
+          </p:cNvPr>
+          <p:cNvPicPr>
+            <a:picLocks noChangeAspect="1"/>
+          </p:cNvPicPr>
+          <p:nvPr/>
+        </p:nvPicPr>
+        <p:blipFill>
+          <a:blip r:embed="rId8"/>
+          <a:stretch>
+            <a:fillRect/>
+          </a:stretch>
+        </p:blipFill>
+        <p:spPr>
+          <a:xfrm>
+            <a:off x="4128074" y="4334357"/>
+            <a:ext cx="2857899" cy="171474"/>
+          </a:xfrm>
+          <a:prstGeom prst="rect">
+            <a:avLst/>
+          </a:prstGeom>
+        </p:spPr>
+      </p:pic>
+      <p:pic>
+        <p:nvPicPr>
+          <p:cNvPr id="25" name="그림 24">
+            <a:extLst>
+              <a:ext uri="{FF2B5EF4-FFF2-40B4-BE49-F238E27FC236}">
+                <a16:creationId xmlns:a16="http://schemas.microsoft.com/office/drawing/2014/main" id="{FD5FDA22-5FF7-93CC-B28D-FF26E58DD31D}"/>
+              </a:ext>
+            </a:extLst>
+          </p:cNvPr>
+          <p:cNvPicPr>
+            <a:picLocks noChangeAspect="1"/>
+          </p:cNvPicPr>
+          <p:nvPr/>
+        </p:nvPicPr>
+        <p:blipFill>
+          <a:blip r:embed="rId9"/>
+          <a:stretch>
+            <a:fillRect/>
+          </a:stretch>
+        </p:blipFill>
+        <p:spPr>
+          <a:xfrm>
+            <a:off x="4127487" y="4706571"/>
+            <a:ext cx="6249272" cy="2000529"/>
+          </a:xfrm>
+          <a:prstGeom prst="rect">
+            <a:avLst/>
+          </a:prstGeom>
+        </p:spPr>
+      </p:pic>
     </p:spTree>
     <p:extLst>
       <p:ext uri="{BB962C8B-B14F-4D97-AF65-F5344CB8AC3E}">
-        <p14:creationId xmlns:p14="http://schemas.microsoft.com/office/powerpoint/2010/main" val="3392311031"/>
+        <p14:creationId xmlns:p14="http://schemas.microsoft.com/office/powerpoint/2010/main" val="3714450561"/>
       </p:ext>
     </p:extLst>
   </p:cSld>
@@ -4864,7 +5511,7 @@
     </p:spTree>
     <p:extLst>
       <p:ext uri="{BB962C8B-B14F-4D97-AF65-F5344CB8AC3E}">
-        <p14:creationId xmlns:p14="http://schemas.microsoft.com/office/powerpoint/2010/main" val="223767511"/>
+        <p14:creationId xmlns:p14="http://schemas.microsoft.com/office/powerpoint/2010/main" val="365756870"/>
       </p:ext>
     </p:extLst>
   </p:cSld>

--- a/ppt/웹접근성 관련.pptx
+++ b/ppt/웹접근성 관련.pptx
@@ -12,13 +12,14 @@
     <p:sldId id="289" r:id="rId6"/>
     <p:sldId id="285" r:id="rId7"/>
     <p:sldId id="286" r:id="rId8"/>
-    <p:sldId id="291" r:id="rId9"/>
-    <p:sldId id="292" r:id="rId10"/>
-    <p:sldId id="293" r:id="rId11"/>
-    <p:sldId id="294" r:id="rId12"/>
-    <p:sldId id="295" r:id="rId13"/>
-    <p:sldId id="287" r:id="rId14"/>
-    <p:sldId id="288" r:id="rId15"/>
+    <p:sldId id="296" r:id="rId9"/>
+    <p:sldId id="291" r:id="rId10"/>
+    <p:sldId id="292" r:id="rId11"/>
+    <p:sldId id="293" r:id="rId12"/>
+    <p:sldId id="294" r:id="rId13"/>
+    <p:sldId id="295" r:id="rId14"/>
+    <p:sldId id="287" r:id="rId15"/>
+    <p:sldId id="288" r:id="rId16"/>
   </p:sldIdLst>
   <p:sldSz cx="12192000" cy="6858000"/>
   <p:notesSz cx="6858000" cy="9144000"/>
@@ -3268,7 +3269,7 @@
     </p:spTree>
     <p:extLst>
       <p:ext uri="{BB962C8B-B14F-4D97-AF65-F5344CB8AC3E}">
-        <p14:creationId xmlns:p14="http://schemas.microsoft.com/office/powerpoint/2010/main" val="4282395024"/>
+        <p14:creationId xmlns:p14="http://schemas.microsoft.com/office/powerpoint/2010/main" val="365756870"/>
       </p:ext>
     </p:extLst>
   </p:cSld>
@@ -3334,7 +3335,7 @@
     </p:spTree>
     <p:extLst>
       <p:ext uri="{BB962C8B-B14F-4D97-AF65-F5344CB8AC3E}">
-        <p14:creationId xmlns:p14="http://schemas.microsoft.com/office/powerpoint/2010/main" val="2351975111"/>
+        <p14:creationId xmlns:p14="http://schemas.microsoft.com/office/powerpoint/2010/main" val="4282395024"/>
       </p:ext>
     </p:extLst>
   </p:cSld>
@@ -3400,7 +3401,7 @@
     </p:spTree>
     <p:extLst>
       <p:ext uri="{BB962C8B-B14F-4D97-AF65-F5344CB8AC3E}">
-        <p14:creationId xmlns:p14="http://schemas.microsoft.com/office/powerpoint/2010/main" val="3084232163"/>
+        <p14:creationId xmlns:p14="http://schemas.microsoft.com/office/powerpoint/2010/main" val="2351975111"/>
       </p:ext>
     </p:extLst>
   </p:cSld>
@@ -3466,6 +3467,72 @@
     </p:spTree>
     <p:extLst>
       <p:ext uri="{BB962C8B-B14F-4D97-AF65-F5344CB8AC3E}">
+        <p14:creationId xmlns:p14="http://schemas.microsoft.com/office/powerpoint/2010/main" val="3084232163"/>
+      </p:ext>
+    </p:extLst>
+  </p:cSld>
+  <p:clrMapOvr>
+    <a:masterClrMapping/>
+  </p:clrMapOvr>
+</p:sld>
+</file>
+
+<file path=ppt/slides/slide14.xml><?xml version="1.0" encoding="utf-8"?>
+<p:sld xmlns:a="http://schemas.openxmlformats.org/drawingml/2006/main" xmlns:r="http://schemas.openxmlformats.org/officeDocument/2006/relationships" xmlns:p="http://schemas.openxmlformats.org/presentationml/2006/main">
+  <p:cSld>
+    <p:spTree>
+      <p:nvGrpSpPr>
+        <p:cNvPr id="1" name=""/>
+        <p:cNvGrpSpPr/>
+        <p:nvPr/>
+      </p:nvGrpSpPr>
+      <p:grpSpPr>
+        <a:xfrm>
+          <a:off x="0" y="0"/>
+          <a:ext cx="0" cy="0"/>
+          <a:chOff x="0" y="0"/>
+          <a:chExt cx="0" cy="0"/>
+        </a:xfrm>
+      </p:grpSpPr>
+      <p:sp>
+        <p:nvSpPr>
+          <p:cNvPr id="2" name="TextBox 1">
+            <a:extLst>
+              <a:ext uri="{FF2B5EF4-FFF2-40B4-BE49-F238E27FC236}">
+                <a16:creationId xmlns:a16="http://schemas.microsoft.com/office/drawing/2014/main" id="{B35CC9F4-688C-7A8A-DB21-ECB6CE0C04A9}"/>
+              </a:ext>
+            </a:extLst>
+          </p:cNvPr>
+          <p:cNvSpPr txBox="1"/>
+          <p:nvPr/>
+        </p:nvSpPr>
+        <p:spPr>
+          <a:xfrm>
+            <a:off x="299803" y="217357"/>
+            <a:ext cx="944489" cy="369332"/>
+          </a:xfrm>
+          <a:prstGeom prst="rect">
+            <a:avLst/>
+          </a:prstGeom>
+          <a:noFill/>
+        </p:spPr>
+        <p:txBody>
+          <a:bodyPr wrap="none" rtlCol="0">
+            <a:spAutoFit/>
+          </a:bodyPr>
+          <a:lstStyle/>
+          <a:p>
+            <a:r>
+              <a:rPr lang="en-US" altLang="ko-KR" dirty="0"/>
+              <a:t>111111</a:t>
+            </a:r>
+            <a:endParaRPr lang="ko-KR" altLang="en-US" dirty="0"/>
+          </a:p>
+        </p:txBody>
+      </p:sp>
+    </p:spTree>
+    <p:extLst>
+      <p:ext uri="{BB962C8B-B14F-4D97-AF65-F5344CB8AC3E}">
         <p14:creationId xmlns:p14="http://schemas.microsoft.com/office/powerpoint/2010/main" val="3392311031"/>
       </p:ext>
     </p:extLst>
@@ -3476,7 +3543,7 @@
 </p:sld>
 </file>
 
-<file path=ppt/slides/slide14.xml><?xml version="1.0" encoding="utf-8"?>
+<file path=ppt/slides/slide15.xml><?xml version="1.0" encoding="utf-8"?>
 <p:sld xmlns:a="http://schemas.openxmlformats.org/drawingml/2006/main" xmlns:r="http://schemas.openxmlformats.org/officeDocument/2006/relationships" xmlns:p="http://schemas.openxmlformats.org/presentationml/2006/main">
   <p:cSld>
     <p:spTree>
@@ -5028,42 +5095,6 @@
           <a:chExt cx="0" cy="0"/>
         </a:xfrm>
       </p:grpSpPr>
-      <p:sp>
-        <p:nvSpPr>
-          <p:cNvPr id="2" name="TextBox 1">
-            <a:extLst>
-              <a:ext uri="{FF2B5EF4-FFF2-40B4-BE49-F238E27FC236}">
-                <a16:creationId xmlns:a16="http://schemas.microsoft.com/office/drawing/2014/main" id="{B35CC9F4-688C-7A8A-DB21-ECB6CE0C04A9}"/>
-              </a:ext>
-            </a:extLst>
-          </p:cNvPr>
-          <p:cNvSpPr txBox="1"/>
-          <p:nvPr/>
-        </p:nvSpPr>
-        <p:spPr>
-          <a:xfrm>
-            <a:off x="299803" y="217357"/>
-            <a:ext cx="944489" cy="369332"/>
-          </a:xfrm>
-          <a:prstGeom prst="rect">
-            <a:avLst/>
-          </a:prstGeom>
-          <a:noFill/>
-        </p:spPr>
-        <p:txBody>
-          <a:bodyPr wrap="none" rtlCol="0">
-            <a:spAutoFit/>
-          </a:bodyPr>
-          <a:lstStyle/>
-          <a:p>
-            <a:r>
-              <a:rPr lang="en-US" altLang="ko-KR" dirty="0"/>
-              <a:t>111111</a:t>
-            </a:r>
-            <a:endParaRPr lang="ko-KR" altLang="en-US" dirty="0"/>
-          </a:p>
-        </p:txBody>
-      </p:sp>
     </p:spTree>
     <p:extLst>
       <p:ext uri="{BB962C8B-B14F-4D97-AF65-F5344CB8AC3E}">
@@ -5109,6 +5140,385 @@
         <p:spPr>
           <a:xfrm>
             <a:off x="299803" y="217357"/>
+            <a:ext cx="787395" cy="369332"/>
+          </a:xfrm>
+          <a:prstGeom prst="rect">
+            <a:avLst/>
+          </a:prstGeom>
+          <a:noFill/>
+        </p:spPr>
+        <p:txBody>
+          <a:bodyPr wrap="none" rtlCol="0">
+            <a:spAutoFit/>
+          </a:bodyPr>
+          <a:lstStyle/>
+          <a:p>
+            <a:r>
+              <a:rPr lang="en-US" altLang="ko-KR" dirty="0"/>
+              <a:t>[</a:t>
+            </a:r>
+            <a:r>
+              <a:rPr lang="ko-KR" altLang="en-US" dirty="0"/>
+              <a:t>공통</a:t>
+            </a:r>
+            <a:r>
+              <a:rPr lang="en-US" altLang="ko-KR" dirty="0"/>
+              <a:t>]</a:t>
+            </a:r>
+            <a:endParaRPr lang="ko-KR" altLang="en-US" dirty="0"/>
+          </a:p>
+        </p:txBody>
+      </p:sp>
+      <p:pic>
+        <p:nvPicPr>
+          <p:cNvPr id="4" name="그림 3">
+            <a:extLst>
+              <a:ext uri="{FF2B5EF4-FFF2-40B4-BE49-F238E27FC236}">
+                <a16:creationId xmlns:a16="http://schemas.microsoft.com/office/drawing/2014/main" id="{D6EDF2BD-2B8E-F093-D38F-BC82616AEB55}"/>
+              </a:ext>
+            </a:extLst>
+          </p:cNvPr>
+          <p:cNvPicPr>
+            <a:picLocks noChangeAspect="1"/>
+          </p:cNvPicPr>
+          <p:nvPr/>
+        </p:nvPicPr>
+        <p:blipFill>
+          <a:blip r:embed="rId2"/>
+          <a:stretch>
+            <a:fillRect/>
+          </a:stretch>
+        </p:blipFill>
+        <p:spPr>
+          <a:xfrm>
+            <a:off x="401780" y="860507"/>
+            <a:ext cx="4448796" cy="2067213"/>
+          </a:xfrm>
+          <a:prstGeom prst="rect">
+            <a:avLst/>
+          </a:prstGeom>
+        </p:spPr>
+      </p:pic>
+      <p:sp>
+        <p:nvSpPr>
+          <p:cNvPr id="5" name="TextBox 4">
+            <a:extLst>
+              <a:ext uri="{FF2B5EF4-FFF2-40B4-BE49-F238E27FC236}">
+                <a16:creationId xmlns:a16="http://schemas.microsoft.com/office/drawing/2014/main" id="{B471A8E8-E4A7-7BA5-D4CB-F1B9E18B14B8}"/>
+              </a:ext>
+            </a:extLst>
+          </p:cNvPr>
+          <p:cNvSpPr txBox="1"/>
+          <p:nvPr/>
+        </p:nvSpPr>
+        <p:spPr>
+          <a:xfrm>
+            <a:off x="5361271" y="1106905"/>
+            <a:ext cx="1737976" cy="1020216"/>
+          </a:xfrm>
+          <a:prstGeom prst="rect">
+            <a:avLst/>
+          </a:prstGeom>
+          <a:noFill/>
+        </p:spPr>
+        <p:txBody>
+          <a:bodyPr wrap="none" rtlCol="0">
+            <a:spAutoFit/>
+          </a:bodyPr>
+          <a:lstStyle/>
+          <a:p>
+            <a:pPr>
+              <a:lnSpc>
+                <a:spcPct val="150000"/>
+              </a:lnSpc>
+            </a:pPr>
+            <a:r>
+              <a:rPr lang="ko-KR" altLang="en-US" sz="1400" dirty="0" err="1"/>
+              <a:t>스킵</a:t>
+            </a:r>
+            <a:r>
+              <a:rPr lang="ko-KR" altLang="en-US" sz="1400" dirty="0"/>
+              <a:t> </a:t>
+            </a:r>
+            <a:r>
+              <a:rPr lang="ko-KR" altLang="en-US" sz="1400" dirty="0" err="1"/>
+              <a:t>네비</a:t>
+            </a:r>
+            <a:r>
+              <a:rPr lang="ko-KR" altLang="en-US" sz="1400" dirty="0"/>
+              <a:t> 추가</a:t>
+            </a:r>
+            <a:endParaRPr lang="en-US" altLang="ko-KR" sz="1400" dirty="0"/>
+          </a:p>
+          <a:p>
+            <a:pPr>
+              <a:lnSpc>
+                <a:spcPct val="150000"/>
+              </a:lnSpc>
+            </a:pPr>
+            <a:r>
+              <a:rPr lang="ko-KR" altLang="en-US" sz="1400" dirty="0"/>
+              <a:t>메뉴 </a:t>
+            </a:r>
+            <a:r>
+              <a:rPr lang="en-US" altLang="ko-KR" sz="1400" dirty="0"/>
+              <a:t>ID : </a:t>
+            </a:r>
+            <a:r>
+              <a:rPr lang="en-US" altLang="ko-KR" sz="1400" dirty="0" err="1"/>
+              <a:t>menuLink</a:t>
+            </a:r>
+            <a:endParaRPr lang="en-US" altLang="ko-KR" sz="1400" dirty="0"/>
+          </a:p>
+          <a:p>
+            <a:pPr>
+              <a:lnSpc>
+                <a:spcPct val="150000"/>
+              </a:lnSpc>
+            </a:pPr>
+            <a:r>
+              <a:rPr lang="ko-KR" altLang="en-US" sz="1400" dirty="0"/>
+              <a:t>본문 </a:t>
+            </a:r>
+            <a:r>
+              <a:rPr lang="en-US" altLang="ko-KR" sz="1400" dirty="0"/>
+              <a:t>ID : root</a:t>
+            </a:r>
+            <a:endParaRPr lang="ko-KR" altLang="en-US" sz="1400" dirty="0"/>
+          </a:p>
+        </p:txBody>
+      </p:sp>
+      <p:cxnSp>
+        <p:nvCxnSpPr>
+          <p:cNvPr id="6" name="직선 연결선 5">
+            <a:extLst>
+              <a:ext uri="{FF2B5EF4-FFF2-40B4-BE49-F238E27FC236}">
+                <a16:creationId xmlns:a16="http://schemas.microsoft.com/office/drawing/2014/main" id="{5D45C1E1-F3EC-07D3-A673-483AA5760BB6}"/>
+              </a:ext>
+            </a:extLst>
+          </p:cNvPr>
+          <p:cNvCxnSpPr/>
+          <p:nvPr/>
+        </p:nvCxnSpPr>
+        <p:spPr>
+          <a:xfrm>
+            <a:off x="540697" y="3102429"/>
+            <a:ext cx="10995439" cy="0"/>
+          </a:xfrm>
+          <a:prstGeom prst="line">
+            <a:avLst/>
+          </a:prstGeom>
+        </p:spPr>
+        <p:style>
+          <a:lnRef idx="1">
+            <a:schemeClr val="accent1"/>
+          </a:lnRef>
+          <a:fillRef idx="0">
+            <a:schemeClr val="accent1"/>
+          </a:fillRef>
+          <a:effectRef idx="0">
+            <a:schemeClr val="accent1"/>
+          </a:effectRef>
+          <a:fontRef idx="minor">
+            <a:schemeClr val="tx1"/>
+          </a:fontRef>
+        </p:style>
+      </p:cxnSp>
+      <p:pic>
+        <p:nvPicPr>
+          <p:cNvPr id="7" name="그림 6">
+            <a:extLst>
+              <a:ext uri="{FF2B5EF4-FFF2-40B4-BE49-F238E27FC236}">
+                <a16:creationId xmlns:a16="http://schemas.microsoft.com/office/drawing/2014/main" id="{69EEFD6C-6B79-3261-3EA9-077962D74705}"/>
+              </a:ext>
+            </a:extLst>
+          </p:cNvPr>
+          <p:cNvPicPr>
+            <a:picLocks noChangeAspect="1"/>
+          </p:cNvPicPr>
+          <p:nvPr/>
+        </p:nvPicPr>
+        <p:blipFill>
+          <a:blip r:embed="rId3"/>
+          <a:stretch>
+            <a:fillRect/>
+          </a:stretch>
+        </p:blipFill>
+        <p:spPr>
+          <a:xfrm>
+            <a:off x="540697" y="3429000"/>
+            <a:ext cx="3226548" cy="2657157"/>
+          </a:xfrm>
+          <a:prstGeom prst="rect">
+            <a:avLst/>
+          </a:prstGeom>
+        </p:spPr>
+      </p:pic>
+      <p:sp>
+        <p:nvSpPr>
+          <p:cNvPr id="8" name="TextBox 7">
+            <a:extLst>
+              <a:ext uri="{FF2B5EF4-FFF2-40B4-BE49-F238E27FC236}">
+                <a16:creationId xmlns:a16="http://schemas.microsoft.com/office/drawing/2014/main" id="{8B1DA63C-8009-CC14-248D-FA2776C963D3}"/>
+              </a:ext>
+            </a:extLst>
+          </p:cNvPr>
+          <p:cNvSpPr txBox="1"/>
+          <p:nvPr/>
+        </p:nvSpPr>
+        <p:spPr>
+          <a:xfrm>
+            <a:off x="4223714" y="3567630"/>
+            <a:ext cx="5711820" cy="373885"/>
+          </a:xfrm>
+          <a:prstGeom prst="rect">
+            <a:avLst/>
+          </a:prstGeom>
+          <a:noFill/>
+        </p:spPr>
+        <p:txBody>
+          <a:bodyPr wrap="none" rtlCol="0">
+            <a:spAutoFit/>
+          </a:bodyPr>
+          <a:lstStyle/>
+          <a:p>
+            <a:pPr>
+              <a:lnSpc>
+                <a:spcPct val="150000"/>
+              </a:lnSpc>
+            </a:pPr>
+            <a:r>
+              <a:rPr lang="ko-KR" altLang="en-US" sz="1400" dirty="0" err="1"/>
+              <a:t>창닫기</a:t>
+            </a:r>
+            <a:r>
+              <a:rPr lang="ko-KR" altLang="en-US" sz="1400" dirty="0"/>
+              <a:t> 버튼 포커스에서 </a:t>
+            </a:r>
+            <a:r>
+              <a:rPr lang="ko-KR" altLang="en-US" sz="1400" dirty="0" err="1"/>
+              <a:t>탭키</a:t>
+            </a:r>
+            <a:r>
+              <a:rPr lang="ko-KR" altLang="en-US" sz="1400" dirty="0"/>
+              <a:t> </a:t>
+            </a:r>
+            <a:r>
+              <a:rPr lang="ko-KR" altLang="en-US" sz="1400" dirty="0" err="1"/>
+              <a:t>눌렀을경우</a:t>
+            </a:r>
+            <a:r>
+              <a:rPr lang="ko-KR" altLang="en-US" sz="1400" dirty="0"/>
+              <a:t> 다시 레이어로 포커스 이동</a:t>
+            </a:r>
+          </a:p>
+        </p:txBody>
+      </p:sp>
+      <p:pic>
+        <p:nvPicPr>
+          <p:cNvPr id="10" name="그림 9">
+            <a:extLst>
+              <a:ext uri="{FF2B5EF4-FFF2-40B4-BE49-F238E27FC236}">
+                <a16:creationId xmlns:a16="http://schemas.microsoft.com/office/drawing/2014/main" id="{380CC0BA-1405-525D-AF07-E2DA760826A3}"/>
+              </a:ext>
+            </a:extLst>
+          </p:cNvPr>
+          <p:cNvPicPr>
+            <a:picLocks noChangeAspect="1"/>
+          </p:cNvPicPr>
+          <p:nvPr/>
+        </p:nvPicPr>
+        <p:blipFill>
+          <a:blip r:embed="rId4"/>
+          <a:stretch>
+            <a:fillRect/>
+          </a:stretch>
+        </p:blipFill>
+        <p:spPr>
+          <a:xfrm>
+            <a:off x="4296966" y="4085902"/>
+            <a:ext cx="2438740" cy="161948"/>
+          </a:xfrm>
+          <a:prstGeom prst="rect">
+            <a:avLst/>
+          </a:prstGeom>
+        </p:spPr>
+      </p:pic>
+      <p:pic>
+        <p:nvPicPr>
+          <p:cNvPr id="12" name="그림 11">
+            <a:extLst>
+              <a:ext uri="{FF2B5EF4-FFF2-40B4-BE49-F238E27FC236}">
+                <a16:creationId xmlns:a16="http://schemas.microsoft.com/office/drawing/2014/main" id="{33CA3CED-CC91-893C-D19F-01F71D96D8F7}"/>
+              </a:ext>
+            </a:extLst>
+          </p:cNvPr>
+          <p:cNvPicPr>
+            <a:picLocks noChangeAspect="1"/>
+          </p:cNvPicPr>
+          <p:nvPr/>
+        </p:nvPicPr>
+        <p:blipFill>
+          <a:blip r:embed="rId5"/>
+          <a:stretch>
+            <a:fillRect/>
+          </a:stretch>
+        </p:blipFill>
+        <p:spPr>
+          <a:xfrm>
+            <a:off x="4296966" y="4516770"/>
+            <a:ext cx="5887272" cy="1743318"/>
+          </a:xfrm>
+          <a:prstGeom prst="rect">
+            <a:avLst/>
+          </a:prstGeom>
+        </p:spPr>
+      </p:pic>
+    </p:spTree>
+    <p:extLst>
+      <p:ext uri="{BB962C8B-B14F-4D97-AF65-F5344CB8AC3E}">
+        <p14:creationId xmlns:p14="http://schemas.microsoft.com/office/powerpoint/2010/main" val="401906636"/>
+      </p:ext>
+    </p:extLst>
+  </p:cSld>
+  <p:clrMapOvr>
+    <a:masterClrMapping/>
+  </p:clrMapOvr>
+</p:sld>
+</file>
+
+<file path=ppt/slides/slide9.xml><?xml version="1.0" encoding="utf-8"?>
+<p:sld xmlns:a="http://schemas.openxmlformats.org/drawingml/2006/main" xmlns:r="http://schemas.openxmlformats.org/officeDocument/2006/relationships" xmlns:p="http://schemas.openxmlformats.org/presentationml/2006/main">
+  <p:cSld>
+    <p:spTree>
+      <p:nvGrpSpPr>
+        <p:cNvPr id="1" name=""/>
+        <p:cNvGrpSpPr/>
+        <p:nvPr/>
+      </p:nvGrpSpPr>
+      <p:grpSpPr>
+        <a:xfrm>
+          <a:off x="0" y="0"/>
+          <a:ext cx="0" cy="0"/>
+          <a:chOff x="0" y="0"/>
+          <a:chExt cx="0" cy="0"/>
+        </a:xfrm>
+      </p:grpSpPr>
+      <p:sp>
+        <p:nvSpPr>
+          <p:cNvPr id="2" name="TextBox 1">
+            <a:extLst>
+              <a:ext uri="{FF2B5EF4-FFF2-40B4-BE49-F238E27FC236}">
+                <a16:creationId xmlns:a16="http://schemas.microsoft.com/office/drawing/2014/main" id="{B35CC9F4-688C-7A8A-DB21-ECB6CE0C04A9}"/>
+              </a:ext>
+            </a:extLst>
+          </p:cNvPr>
+          <p:cNvSpPr txBox="1"/>
+          <p:nvPr/>
+        </p:nvSpPr>
+        <p:spPr>
+          <a:xfrm>
+            <a:off x="299803" y="217357"/>
             <a:ext cx="1872629" cy="369332"/>
           </a:xfrm>
           <a:prstGeom prst="rect">
@@ -5214,66 +5624,6 @@
           <a:xfrm>
             <a:off x="540697" y="1895252"/>
             <a:ext cx="3410426" cy="543001"/>
-          </a:xfrm>
-          <a:prstGeom prst="rect">
-            <a:avLst/>
-          </a:prstGeom>
-        </p:spPr>
-      </p:pic>
-      <p:pic>
-        <p:nvPicPr>
-          <p:cNvPr id="10" name="그림 9">
-            <a:extLst>
-              <a:ext uri="{FF2B5EF4-FFF2-40B4-BE49-F238E27FC236}">
-                <a16:creationId xmlns:a16="http://schemas.microsoft.com/office/drawing/2014/main" id="{7F6778B0-412F-C0CA-E58A-6356DA91F902}"/>
-              </a:ext>
-            </a:extLst>
-          </p:cNvPr>
-          <p:cNvPicPr>
-            <a:picLocks noChangeAspect="1"/>
-          </p:cNvPicPr>
-          <p:nvPr/>
-        </p:nvPicPr>
-        <p:blipFill>
-          <a:blip r:embed="rId5"/>
-          <a:stretch>
-            <a:fillRect/>
-          </a:stretch>
-        </p:blipFill>
-        <p:spPr>
-          <a:xfrm>
-            <a:off x="4338544" y="1919067"/>
-            <a:ext cx="1343212" cy="247685"/>
-          </a:xfrm>
-          <a:prstGeom prst="rect">
-            <a:avLst/>
-          </a:prstGeom>
-        </p:spPr>
-      </p:pic>
-      <p:pic>
-        <p:nvPicPr>
-          <p:cNvPr id="12" name="그림 11">
-            <a:extLst>
-              <a:ext uri="{FF2B5EF4-FFF2-40B4-BE49-F238E27FC236}">
-                <a16:creationId xmlns:a16="http://schemas.microsoft.com/office/drawing/2014/main" id="{F862DAC7-87EA-989C-F362-D7AB734762EE}"/>
-              </a:ext>
-            </a:extLst>
-          </p:cNvPr>
-          <p:cNvPicPr>
-            <a:picLocks noChangeAspect="1"/>
-          </p:cNvPicPr>
-          <p:nvPr/>
-        </p:nvPicPr>
-        <p:blipFill>
-          <a:blip r:embed="rId6"/>
-          <a:stretch>
-            <a:fillRect/>
-          </a:stretch>
-        </p:blipFill>
-        <p:spPr>
-          <a:xfrm>
-            <a:off x="4338544" y="2329450"/>
-            <a:ext cx="3829584" cy="1333686"/>
           </a:xfrm>
           <a:prstGeom prst="rect">
             <a:avLst/>
@@ -5367,7 +5717,7 @@
           <p:nvPr/>
         </p:nvPicPr>
         <p:blipFill>
-          <a:blip r:embed="rId7"/>
+          <a:blip r:embed="rId5"/>
           <a:stretch>
             <a:fillRect/>
           </a:stretch>
@@ -5397,7 +5747,7 @@
           <p:nvPr/>
         </p:nvPicPr>
         <p:blipFill>
-          <a:blip r:embed="rId8"/>
+          <a:blip r:embed="rId6"/>
           <a:stretch>
             <a:fillRect/>
           </a:stretch>
@@ -5427,6 +5777,66 @@
           <p:nvPr/>
         </p:nvPicPr>
         <p:blipFill>
+          <a:blip r:embed="rId7"/>
+          <a:stretch>
+            <a:fillRect/>
+          </a:stretch>
+        </p:blipFill>
+        <p:spPr>
+          <a:xfrm>
+            <a:off x="4127487" y="4706571"/>
+            <a:ext cx="6249272" cy="2000529"/>
+          </a:xfrm>
+          <a:prstGeom prst="rect">
+            <a:avLst/>
+          </a:prstGeom>
+        </p:spPr>
+      </p:pic>
+      <p:pic>
+        <p:nvPicPr>
+          <p:cNvPr id="5" name="그림 4">
+            <a:extLst>
+              <a:ext uri="{FF2B5EF4-FFF2-40B4-BE49-F238E27FC236}">
+                <a16:creationId xmlns:a16="http://schemas.microsoft.com/office/drawing/2014/main" id="{657AEC7C-F341-9141-E4BE-97B48B115C15}"/>
+              </a:ext>
+            </a:extLst>
+          </p:cNvPr>
+          <p:cNvPicPr>
+            <a:picLocks noChangeAspect="1"/>
+          </p:cNvPicPr>
+          <p:nvPr/>
+        </p:nvPicPr>
+        <p:blipFill>
+          <a:blip r:embed="rId8"/>
+          <a:stretch>
+            <a:fillRect/>
+          </a:stretch>
+        </p:blipFill>
+        <p:spPr>
+          <a:xfrm>
+            <a:off x="4338544" y="1914712"/>
+            <a:ext cx="1543265" cy="209579"/>
+          </a:xfrm>
+          <a:prstGeom prst="rect">
+            <a:avLst/>
+          </a:prstGeom>
+        </p:spPr>
+      </p:pic>
+      <p:pic>
+        <p:nvPicPr>
+          <p:cNvPr id="9" name="그림 8">
+            <a:extLst>
+              <a:ext uri="{FF2B5EF4-FFF2-40B4-BE49-F238E27FC236}">
+                <a16:creationId xmlns:a16="http://schemas.microsoft.com/office/drawing/2014/main" id="{30F77564-DFA5-5157-71D3-5D7E51F79874}"/>
+              </a:ext>
+            </a:extLst>
+          </p:cNvPr>
+          <p:cNvPicPr>
+            <a:picLocks noChangeAspect="1"/>
+          </p:cNvPicPr>
+          <p:nvPr/>
+        </p:nvPicPr>
+        <p:blipFill>
           <a:blip r:embed="rId9"/>
           <a:stretch>
             <a:fillRect/>
@@ -5434,8 +5844,8 @@
         </p:blipFill>
         <p:spPr>
           <a:xfrm>
-            <a:off x="4127487" y="4706571"/>
-            <a:ext cx="6249272" cy="2000529"/>
+            <a:off x="4338544" y="2334636"/>
+            <a:ext cx="3982006" cy="1343212"/>
           </a:xfrm>
           <a:prstGeom prst="rect">
             <a:avLst/>
@@ -5446,72 +5856,6 @@
     <p:extLst>
       <p:ext uri="{BB962C8B-B14F-4D97-AF65-F5344CB8AC3E}">
         <p14:creationId xmlns:p14="http://schemas.microsoft.com/office/powerpoint/2010/main" val="3714450561"/>
-      </p:ext>
-    </p:extLst>
-  </p:cSld>
-  <p:clrMapOvr>
-    <a:masterClrMapping/>
-  </p:clrMapOvr>
-</p:sld>
-</file>
-
-<file path=ppt/slides/slide9.xml><?xml version="1.0" encoding="utf-8"?>
-<p:sld xmlns:a="http://schemas.openxmlformats.org/drawingml/2006/main" xmlns:r="http://schemas.openxmlformats.org/officeDocument/2006/relationships" xmlns:p="http://schemas.openxmlformats.org/presentationml/2006/main">
-  <p:cSld>
-    <p:spTree>
-      <p:nvGrpSpPr>
-        <p:cNvPr id="1" name=""/>
-        <p:cNvGrpSpPr/>
-        <p:nvPr/>
-      </p:nvGrpSpPr>
-      <p:grpSpPr>
-        <a:xfrm>
-          <a:off x="0" y="0"/>
-          <a:ext cx="0" cy="0"/>
-          <a:chOff x="0" y="0"/>
-          <a:chExt cx="0" cy="0"/>
-        </a:xfrm>
-      </p:grpSpPr>
-      <p:sp>
-        <p:nvSpPr>
-          <p:cNvPr id="2" name="TextBox 1">
-            <a:extLst>
-              <a:ext uri="{FF2B5EF4-FFF2-40B4-BE49-F238E27FC236}">
-                <a16:creationId xmlns:a16="http://schemas.microsoft.com/office/drawing/2014/main" id="{B35CC9F4-688C-7A8A-DB21-ECB6CE0C04A9}"/>
-              </a:ext>
-            </a:extLst>
-          </p:cNvPr>
-          <p:cNvSpPr txBox="1"/>
-          <p:nvPr/>
-        </p:nvSpPr>
-        <p:spPr>
-          <a:xfrm>
-            <a:off x="299803" y="217357"/>
-            <a:ext cx="944489" cy="369332"/>
-          </a:xfrm>
-          <a:prstGeom prst="rect">
-            <a:avLst/>
-          </a:prstGeom>
-          <a:noFill/>
-        </p:spPr>
-        <p:txBody>
-          <a:bodyPr wrap="none" rtlCol="0">
-            <a:spAutoFit/>
-          </a:bodyPr>
-          <a:lstStyle/>
-          <a:p>
-            <a:r>
-              <a:rPr lang="en-US" altLang="ko-KR" dirty="0"/>
-              <a:t>111111</a:t>
-            </a:r>
-            <a:endParaRPr lang="ko-KR" altLang="en-US" dirty="0"/>
-          </a:p>
-        </p:txBody>
-      </p:sp>
-    </p:spTree>
-    <p:extLst>
-      <p:ext uri="{BB962C8B-B14F-4D97-AF65-F5344CB8AC3E}">
-        <p14:creationId xmlns:p14="http://schemas.microsoft.com/office/powerpoint/2010/main" val="365756870"/>
       </p:ext>
     </p:extLst>
   </p:cSld>

--- a/ppt/웹접근성 관련.pptx
+++ b/ppt/웹접근성 관련.pptx
@@ -255,7 +255,7 @@
           <a:p>
             <a:fld id="{D203A8F8-6A3C-431B-BFF3-386CC4580D21}" type="datetimeFigureOut">
               <a:rPr lang="ko-KR" altLang="en-US" smtClean="0"/>
-              <a:t>2022-06-09</a:t>
+              <a:t>2022-06-10</a:t>
             </a:fld>
             <a:endParaRPr lang="ko-KR" altLang="en-US"/>
           </a:p>
@@ -423,7 +423,7 @@
           <a:p>
             <a:fld id="{D203A8F8-6A3C-431B-BFF3-386CC4580D21}" type="datetimeFigureOut">
               <a:rPr lang="ko-KR" altLang="en-US" smtClean="0"/>
-              <a:t>2022-06-09</a:t>
+              <a:t>2022-06-10</a:t>
             </a:fld>
             <a:endParaRPr lang="ko-KR" altLang="en-US"/>
           </a:p>
@@ -601,7 +601,7 @@
           <a:p>
             <a:fld id="{D203A8F8-6A3C-431B-BFF3-386CC4580D21}" type="datetimeFigureOut">
               <a:rPr lang="ko-KR" altLang="en-US" smtClean="0"/>
-              <a:t>2022-06-09</a:t>
+              <a:t>2022-06-10</a:t>
             </a:fld>
             <a:endParaRPr lang="ko-KR" altLang="en-US"/>
           </a:p>
@@ -769,7 +769,7 @@
           <a:p>
             <a:fld id="{D203A8F8-6A3C-431B-BFF3-386CC4580D21}" type="datetimeFigureOut">
               <a:rPr lang="ko-KR" altLang="en-US" smtClean="0"/>
-              <a:t>2022-06-09</a:t>
+              <a:t>2022-06-10</a:t>
             </a:fld>
             <a:endParaRPr lang="ko-KR" altLang="en-US"/>
           </a:p>
@@ -1014,7 +1014,7 @@
           <a:p>
             <a:fld id="{D203A8F8-6A3C-431B-BFF3-386CC4580D21}" type="datetimeFigureOut">
               <a:rPr lang="ko-KR" altLang="en-US" smtClean="0"/>
-              <a:t>2022-06-09</a:t>
+              <a:t>2022-06-10</a:t>
             </a:fld>
             <a:endParaRPr lang="ko-KR" altLang="en-US"/>
           </a:p>
@@ -1243,7 +1243,7 @@
           <a:p>
             <a:fld id="{D203A8F8-6A3C-431B-BFF3-386CC4580D21}" type="datetimeFigureOut">
               <a:rPr lang="ko-KR" altLang="en-US" smtClean="0"/>
-              <a:t>2022-06-09</a:t>
+              <a:t>2022-06-10</a:t>
             </a:fld>
             <a:endParaRPr lang="ko-KR" altLang="en-US"/>
           </a:p>
@@ -1607,7 +1607,7 @@
           <a:p>
             <a:fld id="{D203A8F8-6A3C-431B-BFF3-386CC4580D21}" type="datetimeFigureOut">
               <a:rPr lang="ko-KR" altLang="en-US" smtClean="0"/>
-              <a:t>2022-06-09</a:t>
+              <a:t>2022-06-10</a:t>
             </a:fld>
             <a:endParaRPr lang="ko-KR" altLang="en-US"/>
           </a:p>
@@ -1724,7 +1724,7 @@
           <a:p>
             <a:fld id="{D203A8F8-6A3C-431B-BFF3-386CC4580D21}" type="datetimeFigureOut">
               <a:rPr lang="ko-KR" altLang="en-US" smtClean="0"/>
-              <a:t>2022-06-09</a:t>
+              <a:t>2022-06-10</a:t>
             </a:fld>
             <a:endParaRPr lang="ko-KR" altLang="en-US"/>
           </a:p>
@@ -1819,7 +1819,7 @@
           <a:p>
             <a:fld id="{D203A8F8-6A3C-431B-BFF3-386CC4580D21}" type="datetimeFigureOut">
               <a:rPr lang="ko-KR" altLang="en-US" smtClean="0"/>
-              <a:t>2022-06-09</a:t>
+              <a:t>2022-06-10</a:t>
             </a:fld>
             <a:endParaRPr lang="ko-KR" altLang="en-US"/>
           </a:p>
@@ -2094,7 +2094,7 @@
           <a:p>
             <a:fld id="{D203A8F8-6A3C-431B-BFF3-386CC4580D21}" type="datetimeFigureOut">
               <a:rPr lang="ko-KR" altLang="en-US" smtClean="0"/>
-              <a:t>2022-06-09</a:t>
+              <a:t>2022-06-10</a:t>
             </a:fld>
             <a:endParaRPr lang="ko-KR" altLang="en-US"/>
           </a:p>
@@ -2346,7 +2346,7 @@
           <a:p>
             <a:fld id="{D203A8F8-6A3C-431B-BFF3-386CC4580D21}" type="datetimeFigureOut">
               <a:rPr lang="ko-KR" altLang="en-US" smtClean="0"/>
-              <a:t>2022-06-09</a:t>
+              <a:t>2022-06-10</a:t>
             </a:fld>
             <a:endParaRPr lang="ko-KR" altLang="en-US"/>
           </a:p>
@@ -2557,7 +2557,7 @@
           <a:p>
             <a:fld id="{D203A8F8-6A3C-431B-BFF3-386CC4580D21}" type="datetimeFigureOut">
               <a:rPr lang="ko-KR" altLang="en-US" smtClean="0"/>
-              <a:t>2022-06-09</a:t>
+              <a:t>2022-06-10</a:t>
             </a:fld>
             <a:endParaRPr lang="ko-KR" altLang="en-US"/>
           </a:p>
@@ -3230,42 +3230,222 @@
           <a:chExt cx="0" cy="0"/>
         </a:xfrm>
       </p:grpSpPr>
-      <p:sp>
-        <p:nvSpPr>
-          <p:cNvPr id="2" name="TextBox 1">
-            <a:extLst>
-              <a:ext uri="{FF2B5EF4-FFF2-40B4-BE49-F238E27FC236}">
-                <a16:creationId xmlns:a16="http://schemas.microsoft.com/office/drawing/2014/main" id="{B35CC9F4-688C-7A8A-DB21-ECB6CE0C04A9}"/>
-              </a:ext>
-            </a:extLst>
-          </p:cNvPr>
-          <p:cNvSpPr txBox="1"/>
-          <p:nvPr/>
-        </p:nvSpPr>
-        <p:spPr>
-          <a:xfrm>
-            <a:off x="299803" y="217357"/>
-            <a:ext cx="944489" cy="369332"/>
+      <p:pic>
+        <p:nvPicPr>
+          <p:cNvPr id="4" name="그림 3">
+            <a:extLst>
+              <a:ext uri="{FF2B5EF4-FFF2-40B4-BE49-F238E27FC236}">
+                <a16:creationId xmlns:a16="http://schemas.microsoft.com/office/drawing/2014/main" id="{14F7C95C-0B35-44BC-3797-3AA8DAC125D2}"/>
+              </a:ext>
+            </a:extLst>
+          </p:cNvPr>
+          <p:cNvPicPr>
+            <a:picLocks noChangeAspect="1"/>
+          </p:cNvPicPr>
+          <p:nvPr/>
+        </p:nvPicPr>
+        <p:blipFill>
+          <a:blip r:embed="rId2"/>
+          <a:stretch>
+            <a:fillRect/>
+          </a:stretch>
+        </p:blipFill>
+        <p:spPr>
+          <a:xfrm>
+            <a:off x="343290" y="398072"/>
+            <a:ext cx="3429479" cy="628738"/>
           </a:xfrm>
           <a:prstGeom prst="rect">
             <a:avLst/>
           </a:prstGeom>
-          <a:noFill/>
-        </p:spPr>
-        <p:txBody>
-          <a:bodyPr wrap="none" rtlCol="0">
-            <a:spAutoFit/>
-          </a:bodyPr>
-          <a:lstStyle/>
-          <a:p>
-            <a:r>
-              <a:rPr lang="en-US" altLang="ko-KR" dirty="0"/>
-              <a:t>111111</a:t>
-            </a:r>
-            <a:endParaRPr lang="ko-KR" altLang="en-US" dirty="0"/>
-          </a:p>
-        </p:txBody>
-      </p:sp>
+        </p:spPr>
+      </p:pic>
+      <p:pic>
+        <p:nvPicPr>
+          <p:cNvPr id="5" name="그림 4">
+            <a:extLst>
+              <a:ext uri="{FF2B5EF4-FFF2-40B4-BE49-F238E27FC236}">
+                <a16:creationId xmlns:a16="http://schemas.microsoft.com/office/drawing/2014/main" id="{F9ADCD8E-2EA3-C063-326E-FA96A44E0DEB}"/>
+              </a:ext>
+            </a:extLst>
+          </p:cNvPr>
+          <p:cNvPicPr>
+            <a:picLocks noChangeAspect="1"/>
+          </p:cNvPicPr>
+          <p:nvPr/>
+        </p:nvPicPr>
+        <p:blipFill>
+          <a:blip r:embed="rId3"/>
+          <a:stretch>
+            <a:fillRect/>
+          </a:stretch>
+        </p:blipFill>
+        <p:spPr>
+          <a:xfrm>
+            <a:off x="4474584" y="626704"/>
+            <a:ext cx="2857899" cy="171474"/>
+          </a:xfrm>
+          <a:prstGeom prst="rect">
+            <a:avLst/>
+          </a:prstGeom>
+        </p:spPr>
+      </p:pic>
+      <p:cxnSp>
+        <p:nvCxnSpPr>
+          <p:cNvPr id="6" name="직선 연결선 5">
+            <a:extLst>
+              <a:ext uri="{FF2B5EF4-FFF2-40B4-BE49-F238E27FC236}">
+                <a16:creationId xmlns:a16="http://schemas.microsoft.com/office/drawing/2014/main" id="{8DD211C8-D439-333B-A798-CC4816E6C155}"/>
+              </a:ext>
+            </a:extLst>
+          </p:cNvPr>
+          <p:cNvCxnSpPr/>
+          <p:nvPr/>
+        </p:nvCxnSpPr>
+        <p:spPr>
+          <a:xfrm>
+            <a:off x="540697" y="1326138"/>
+            <a:ext cx="10995439" cy="0"/>
+          </a:xfrm>
+          <a:prstGeom prst="line">
+            <a:avLst/>
+          </a:prstGeom>
+        </p:spPr>
+        <p:style>
+          <a:lnRef idx="1">
+            <a:schemeClr val="accent1"/>
+          </a:lnRef>
+          <a:fillRef idx="0">
+            <a:schemeClr val="accent1"/>
+          </a:fillRef>
+          <a:effectRef idx="0">
+            <a:schemeClr val="accent1"/>
+          </a:effectRef>
+          <a:fontRef idx="minor">
+            <a:schemeClr val="tx1"/>
+          </a:fontRef>
+        </p:style>
+      </p:cxnSp>
+      <p:pic>
+        <p:nvPicPr>
+          <p:cNvPr id="10" name="그림 9">
+            <a:extLst>
+              <a:ext uri="{FF2B5EF4-FFF2-40B4-BE49-F238E27FC236}">
+                <a16:creationId xmlns:a16="http://schemas.microsoft.com/office/drawing/2014/main" id="{0B519FC6-4FA1-8173-1B10-F84F0F9BD28E}"/>
+              </a:ext>
+            </a:extLst>
+          </p:cNvPr>
+          <p:cNvPicPr>
+            <a:picLocks noChangeAspect="1"/>
+          </p:cNvPicPr>
+          <p:nvPr/>
+        </p:nvPicPr>
+        <p:blipFill>
+          <a:blip r:embed="rId4"/>
+          <a:stretch>
+            <a:fillRect/>
+          </a:stretch>
+        </p:blipFill>
+        <p:spPr>
+          <a:xfrm>
+            <a:off x="467133" y="2269751"/>
+            <a:ext cx="3353268" cy="447737"/>
+          </a:xfrm>
+          <a:prstGeom prst="rect">
+            <a:avLst/>
+          </a:prstGeom>
+        </p:spPr>
+      </p:pic>
+      <p:pic>
+        <p:nvPicPr>
+          <p:cNvPr id="12" name="그림 11">
+            <a:extLst>
+              <a:ext uri="{FF2B5EF4-FFF2-40B4-BE49-F238E27FC236}">
+                <a16:creationId xmlns:a16="http://schemas.microsoft.com/office/drawing/2014/main" id="{826EB374-5D20-434E-E8CB-676615ABC3DC}"/>
+              </a:ext>
+            </a:extLst>
+          </p:cNvPr>
+          <p:cNvPicPr>
+            <a:picLocks noChangeAspect="1"/>
+          </p:cNvPicPr>
+          <p:nvPr/>
+        </p:nvPicPr>
+        <p:blipFill>
+          <a:blip r:embed="rId5"/>
+          <a:stretch>
+            <a:fillRect/>
+          </a:stretch>
+        </p:blipFill>
+        <p:spPr>
+          <a:xfrm>
+            <a:off x="419501" y="1554770"/>
+            <a:ext cx="3400900" cy="619211"/>
+          </a:xfrm>
+          <a:prstGeom prst="rect">
+            <a:avLst/>
+          </a:prstGeom>
+        </p:spPr>
+      </p:pic>
+      <p:pic>
+        <p:nvPicPr>
+          <p:cNvPr id="14" name="그림 13">
+            <a:extLst>
+              <a:ext uri="{FF2B5EF4-FFF2-40B4-BE49-F238E27FC236}">
+                <a16:creationId xmlns:a16="http://schemas.microsoft.com/office/drawing/2014/main" id="{BCE3D89D-40BE-66CF-11DF-C437BB5AC953}"/>
+              </a:ext>
+            </a:extLst>
+          </p:cNvPr>
+          <p:cNvPicPr>
+            <a:picLocks noChangeAspect="1"/>
+          </p:cNvPicPr>
+          <p:nvPr/>
+        </p:nvPicPr>
+        <p:blipFill>
+          <a:blip r:embed="rId6"/>
+          <a:stretch>
+            <a:fillRect/>
+          </a:stretch>
+        </p:blipFill>
+        <p:spPr>
+          <a:xfrm>
+            <a:off x="4299283" y="2356735"/>
+            <a:ext cx="1409897" cy="238158"/>
+          </a:xfrm>
+          <a:prstGeom prst="rect">
+            <a:avLst/>
+          </a:prstGeom>
+        </p:spPr>
+      </p:pic>
+      <p:pic>
+        <p:nvPicPr>
+          <p:cNvPr id="16" name="그림 15">
+            <a:extLst>
+              <a:ext uri="{FF2B5EF4-FFF2-40B4-BE49-F238E27FC236}">
+                <a16:creationId xmlns:a16="http://schemas.microsoft.com/office/drawing/2014/main" id="{6D462430-325F-44CE-9076-16446BEF4CAF}"/>
+              </a:ext>
+            </a:extLst>
+          </p:cNvPr>
+          <p:cNvPicPr>
+            <a:picLocks noChangeAspect="1"/>
+          </p:cNvPicPr>
+          <p:nvPr/>
+        </p:nvPicPr>
+        <p:blipFill>
+          <a:blip r:embed="rId7"/>
+          <a:stretch>
+            <a:fillRect/>
+          </a:stretch>
+        </p:blipFill>
+        <p:spPr>
+          <a:xfrm>
+            <a:off x="4299283" y="1820110"/>
+            <a:ext cx="1895740" cy="247685"/>
+          </a:xfrm>
+          <a:prstGeom prst="rect">
+            <a:avLst/>
+          </a:prstGeom>
+        </p:spPr>
+      </p:pic>
     </p:spTree>
     <p:extLst>
       <p:ext uri="{BB962C8B-B14F-4D97-AF65-F5344CB8AC3E}">

--- a/ppt/웹접근성 관련.pptx
+++ b/ppt/웹접근성 관련.pptx
@@ -13,13 +13,14 @@
     <p:sldId id="285" r:id="rId7"/>
     <p:sldId id="286" r:id="rId8"/>
     <p:sldId id="296" r:id="rId9"/>
-    <p:sldId id="291" r:id="rId10"/>
-    <p:sldId id="292" r:id="rId11"/>
-    <p:sldId id="293" r:id="rId12"/>
-    <p:sldId id="294" r:id="rId13"/>
-    <p:sldId id="295" r:id="rId14"/>
-    <p:sldId id="287" r:id="rId15"/>
-    <p:sldId id="288" r:id="rId16"/>
+    <p:sldId id="297" r:id="rId10"/>
+    <p:sldId id="291" r:id="rId11"/>
+    <p:sldId id="292" r:id="rId12"/>
+    <p:sldId id="293" r:id="rId13"/>
+    <p:sldId id="294" r:id="rId14"/>
+    <p:sldId id="295" r:id="rId15"/>
+    <p:sldId id="287" r:id="rId16"/>
+    <p:sldId id="288" r:id="rId17"/>
   </p:sldIdLst>
   <p:sldSz cx="12192000" cy="6858000"/>
   <p:notesSz cx="6858000" cy="9144000"/>
@@ -3230,12 +3231,48 @@
           <a:chExt cx="0" cy="0"/>
         </a:xfrm>
       </p:grpSpPr>
+      <p:sp>
+        <p:nvSpPr>
+          <p:cNvPr id="2" name="TextBox 1">
+            <a:extLst>
+              <a:ext uri="{FF2B5EF4-FFF2-40B4-BE49-F238E27FC236}">
+                <a16:creationId xmlns:a16="http://schemas.microsoft.com/office/drawing/2014/main" id="{B35CC9F4-688C-7A8A-DB21-ECB6CE0C04A9}"/>
+              </a:ext>
+            </a:extLst>
+          </p:cNvPr>
+          <p:cNvSpPr txBox="1"/>
+          <p:nvPr/>
+        </p:nvSpPr>
+        <p:spPr>
+          <a:xfrm>
+            <a:off x="299803" y="217357"/>
+            <a:ext cx="1872629" cy="369332"/>
+          </a:xfrm>
+          <a:prstGeom prst="rect">
+            <a:avLst/>
+          </a:prstGeom>
+          <a:noFill/>
+        </p:spPr>
+        <p:txBody>
+          <a:bodyPr wrap="none" rtlCol="0">
+            <a:spAutoFit/>
+          </a:bodyPr>
+          <a:lstStyle/>
+          <a:p>
+            <a:r>
+              <a:rPr lang="en-US" altLang="ko-KR" dirty="0"/>
+              <a:t>UI-SJN-01-001U</a:t>
+            </a:r>
+            <a:endParaRPr lang="ko-KR" altLang="en-US" dirty="0"/>
+          </a:p>
+        </p:txBody>
+      </p:sp>
       <p:pic>
         <p:nvPicPr>
           <p:cNvPr id="4" name="그림 3">
             <a:extLst>
               <a:ext uri="{FF2B5EF4-FFF2-40B4-BE49-F238E27FC236}">
-                <a16:creationId xmlns:a16="http://schemas.microsoft.com/office/drawing/2014/main" id="{14F7C95C-0B35-44BC-3797-3AA8DAC125D2}"/>
+                <a16:creationId xmlns:a16="http://schemas.microsoft.com/office/drawing/2014/main" id="{29EDA5A0-6B99-A643-922A-5D6E28FFD7C8}"/>
               </a:ext>
             </a:extLst>
           </p:cNvPr>
@@ -3252,8 +3289,8 @@
         </p:blipFill>
         <p:spPr>
           <a:xfrm>
-            <a:off x="343290" y="398072"/>
-            <a:ext cx="3429479" cy="628738"/>
+            <a:off x="623857" y="940891"/>
+            <a:ext cx="428685" cy="600159"/>
           </a:xfrm>
           <a:prstGeom prst="rect">
             <a:avLst/>
@@ -3262,10 +3299,10 @@
       </p:pic>
       <p:pic>
         <p:nvPicPr>
-          <p:cNvPr id="5" name="그림 4">
-            <a:extLst>
-              <a:ext uri="{FF2B5EF4-FFF2-40B4-BE49-F238E27FC236}">
-                <a16:creationId xmlns:a16="http://schemas.microsoft.com/office/drawing/2014/main" id="{F9ADCD8E-2EA3-C063-326E-FA96A44E0DEB}"/>
+          <p:cNvPr id="6" name="그림 5">
+            <a:extLst>
+              <a:ext uri="{FF2B5EF4-FFF2-40B4-BE49-F238E27FC236}">
+                <a16:creationId xmlns:a16="http://schemas.microsoft.com/office/drawing/2014/main" id="{263FFA7D-C11C-86C1-9439-139291AFC750}"/>
               </a:ext>
             </a:extLst>
           </p:cNvPr>
@@ -3282,8 +3319,38 @@
         </p:blipFill>
         <p:spPr>
           <a:xfrm>
-            <a:off x="4474584" y="626704"/>
-            <a:ext cx="2857899" cy="171474"/>
+            <a:off x="1221830" y="1031391"/>
+            <a:ext cx="2048161" cy="209579"/>
+          </a:xfrm>
+          <a:prstGeom prst="rect">
+            <a:avLst/>
+          </a:prstGeom>
+        </p:spPr>
+      </p:pic>
+      <p:pic>
+        <p:nvPicPr>
+          <p:cNvPr id="8" name="그림 7">
+            <a:extLst>
+              <a:ext uri="{FF2B5EF4-FFF2-40B4-BE49-F238E27FC236}">
+                <a16:creationId xmlns:a16="http://schemas.microsoft.com/office/drawing/2014/main" id="{F6D06211-EA49-6E3A-EFFD-826568055873}"/>
+              </a:ext>
+            </a:extLst>
+          </p:cNvPr>
+          <p:cNvPicPr>
+            <a:picLocks noChangeAspect="1"/>
+          </p:cNvPicPr>
+          <p:nvPr/>
+        </p:nvPicPr>
+        <p:blipFill>
+          <a:blip r:embed="rId4"/>
+          <a:stretch>
+            <a:fillRect/>
+          </a:stretch>
+        </p:blipFill>
+        <p:spPr>
+          <a:xfrm>
+            <a:off x="540697" y="1895252"/>
+            <a:ext cx="3410426" cy="543001"/>
           </a:xfrm>
           <a:prstGeom prst="rect">
             <a:avLst/>
@@ -3292,10 +3359,10 @@
       </p:pic>
       <p:cxnSp>
         <p:nvCxnSpPr>
-          <p:cNvPr id="6" name="직선 연결선 5">
-            <a:extLst>
-              <a:ext uri="{FF2B5EF4-FFF2-40B4-BE49-F238E27FC236}">
-                <a16:creationId xmlns:a16="http://schemas.microsoft.com/office/drawing/2014/main" id="{8DD211C8-D439-333B-A798-CC4816E6C155}"/>
+          <p:cNvPr id="14" name="직선 연결선 13">
+            <a:extLst>
+              <a:ext uri="{FF2B5EF4-FFF2-40B4-BE49-F238E27FC236}">
+                <a16:creationId xmlns:a16="http://schemas.microsoft.com/office/drawing/2014/main" id="{434D0179-97A0-AB8D-DDA1-9071FC863C09}"/>
               </a:ext>
             </a:extLst>
           </p:cNvPr>
@@ -3304,7 +3371,43 @@
         </p:nvCxnSpPr>
         <p:spPr>
           <a:xfrm>
-            <a:off x="540697" y="1326138"/>
+            <a:off x="540697" y="1738993"/>
+            <a:ext cx="10995439" cy="0"/>
+          </a:xfrm>
+          <a:prstGeom prst="line">
+            <a:avLst/>
+          </a:prstGeom>
+        </p:spPr>
+        <p:style>
+          <a:lnRef idx="1">
+            <a:schemeClr val="accent1"/>
+          </a:lnRef>
+          <a:fillRef idx="0">
+            <a:schemeClr val="accent1"/>
+          </a:fillRef>
+          <a:effectRef idx="0">
+            <a:schemeClr val="accent1"/>
+          </a:effectRef>
+          <a:fontRef idx="minor">
+            <a:schemeClr val="tx1"/>
+          </a:fontRef>
+        </p:style>
+      </p:cxnSp>
+      <p:cxnSp>
+        <p:nvCxnSpPr>
+          <p:cNvPr id="15" name="직선 연결선 14">
+            <a:extLst>
+              <a:ext uri="{FF2B5EF4-FFF2-40B4-BE49-F238E27FC236}">
+                <a16:creationId xmlns:a16="http://schemas.microsoft.com/office/drawing/2014/main" id="{EE56837E-DB0D-4B1D-BC88-666030C49F9B}"/>
+              </a:ext>
+            </a:extLst>
+          </p:cNvPr>
+          <p:cNvCxnSpPr/>
+          <p:nvPr/>
+        </p:nvCxnSpPr>
+        <p:spPr>
+          <a:xfrm>
+            <a:off x="540697" y="3992336"/>
             <a:ext cx="10995439" cy="0"/>
           </a:xfrm>
           <a:prstGeom prst="line">
@@ -3328,40 +3431,10 @@
       </p:cxnSp>
       <p:pic>
         <p:nvPicPr>
-          <p:cNvPr id="10" name="그림 9">
-            <a:extLst>
-              <a:ext uri="{FF2B5EF4-FFF2-40B4-BE49-F238E27FC236}">
-                <a16:creationId xmlns:a16="http://schemas.microsoft.com/office/drawing/2014/main" id="{0B519FC6-4FA1-8173-1B10-F84F0F9BD28E}"/>
-              </a:ext>
-            </a:extLst>
-          </p:cNvPr>
-          <p:cNvPicPr>
-            <a:picLocks noChangeAspect="1"/>
-          </p:cNvPicPr>
-          <p:nvPr/>
-        </p:nvPicPr>
-        <p:blipFill>
-          <a:blip r:embed="rId4"/>
-          <a:stretch>
-            <a:fillRect/>
-          </a:stretch>
-        </p:blipFill>
-        <p:spPr>
-          <a:xfrm>
-            <a:off x="467133" y="2269751"/>
-            <a:ext cx="3353268" cy="447737"/>
-          </a:xfrm>
-          <a:prstGeom prst="rect">
-            <a:avLst/>
-          </a:prstGeom>
-        </p:spPr>
-      </p:pic>
-      <p:pic>
-        <p:nvPicPr>
-          <p:cNvPr id="12" name="그림 11">
-            <a:extLst>
-              <a:ext uri="{FF2B5EF4-FFF2-40B4-BE49-F238E27FC236}">
-                <a16:creationId xmlns:a16="http://schemas.microsoft.com/office/drawing/2014/main" id="{826EB374-5D20-434E-E8CB-676615ABC3DC}"/>
+          <p:cNvPr id="17" name="그림 16">
+            <a:extLst>
+              <a:ext uri="{FF2B5EF4-FFF2-40B4-BE49-F238E27FC236}">
+                <a16:creationId xmlns:a16="http://schemas.microsoft.com/office/drawing/2014/main" id="{BB83D63A-D18C-6C6D-5070-23DF8B7FBD82}"/>
               </a:ext>
             </a:extLst>
           </p:cNvPr>
@@ -3378,8 +3451,8 @@
         </p:blipFill>
         <p:spPr>
           <a:xfrm>
-            <a:off x="419501" y="1554770"/>
-            <a:ext cx="3400900" cy="619211"/>
+            <a:off x="540697" y="4321537"/>
+            <a:ext cx="2867425" cy="600159"/>
           </a:xfrm>
           <a:prstGeom prst="rect">
             <a:avLst/>
@@ -3388,10 +3461,10 @@
       </p:pic>
       <p:pic>
         <p:nvPicPr>
-          <p:cNvPr id="14" name="그림 13">
-            <a:extLst>
-              <a:ext uri="{FF2B5EF4-FFF2-40B4-BE49-F238E27FC236}">
-                <a16:creationId xmlns:a16="http://schemas.microsoft.com/office/drawing/2014/main" id="{BCE3D89D-40BE-66CF-11DF-C437BB5AC953}"/>
+          <p:cNvPr id="19" name="그림 18">
+            <a:extLst>
+              <a:ext uri="{FF2B5EF4-FFF2-40B4-BE49-F238E27FC236}">
+                <a16:creationId xmlns:a16="http://schemas.microsoft.com/office/drawing/2014/main" id="{9826163D-FD24-8CFC-D1B4-916F87C11160}"/>
               </a:ext>
             </a:extLst>
           </p:cNvPr>
@@ -3408,8 +3481,8 @@
         </p:blipFill>
         <p:spPr>
           <a:xfrm>
-            <a:off x="4299283" y="2356735"/>
-            <a:ext cx="1409897" cy="238158"/>
+            <a:off x="4128074" y="4334357"/>
+            <a:ext cx="2857899" cy="171474"/>
           </a:xfrm>
           <a:prstGeom prst="rect">
             <a:avLst/>
@@ -3418,10 +3491,10 @@
       </p:pic>
       <p:pic>
         <p:nvPicPr>
-          <p:cNvPr id="16" name="그림 15">
-            <a:extLst>
-              <a:ext uri="{FF2B5EF4-FFF2-40B4-BE49-F238E27FC236}">
-                <a16:creationId xmlns:a16="http://schemas.microsoft.com/office/drawing/2014/main" id="{6D462430-325F-44CE-9076-16446BEF4CAF}"/>
+          <p:cNvPr id="25" name="그림 24">
+            <a:extLst>
+              <a:ext uri="{FF2B5EF4-FFF2-40B4-BE49-F238E27FC236}">
+                <a16:creationId xmlns:a16="http://schemas.microsoft.com/office/drawing/2014/main" id="{FD5FDA22-5FF7-93CC-B28D-FF26E58DD31D}"/>
               </a:ext>
             </a:extLst>
           </p:cNvPr>
@@ -3438,8 +3511,68 @@
         </p:blipFill>
         <p:spPr>
           <a:xfrm>
-            <a:off x="4299283" y="1820110"/>
-            <a:ext cx="1895740" cy="247685"/>
+            <a:off x="4127487" y="4706571"/>
+            <a:ext cx="6249272" cy="2000529"/>
+          </a:xfrm>
+          <a:prstGeom prst="rect">
+            <a:avLst/>
+          </a:prstGeom>
+        </p:spPr>
+      </p:pic>
+      <p:pic>
+        <p:nvPicPr>
+          <p:cNvPr id="5" name="그림 4">
+            <a:extLst>
+              <a:ext uri="{FF2B5EF4-FFF2-40B4-BE49-F238E27FC236}">
+                <a16:creationId xmlns:a16="http://schemas.microsoft.com/office/drawing/2014/main" id="{657AEC7C-F341-9141-E4BE-97B48B115C15}"/>
+              </a:ext>
+            </a:extLst>
+          </p:cNvPr>
+          <p:cNvPicPr>
+            <a:picLocks noChangeAspect="1"/>
+          </p:cNvPicPr>
+          <p:nvPr/>
+        </p:nvPicPr>
+        <p:blipFill>
+          <a:blip r:embed="rId8"/>
+          <a:stretch>
+            <a:fillRect/>
+          </a:stretch>
+        </p:blipFill>
+        <p:spPr>
+          <a:xfrm>
+            <a:off x="4338544" y="1914712"/>
+            <a:ext cx="1543265" cy="209579"/>
+          </a:xfrm>
+          <a:prstGeom prst="rect">
+            <a:avLst/>
+          </a:prstGeom>
+        </p:spPr>
+      </p:pic>
+      <p:pic>
+        <p:nvPicPr>
+          <p:cNvPr id="9" name="그림 8">
+            <a:extLst>
+              <a:ext uri="{FF2B5EF4-FFF2-40B4-BE49-F238E27FC236}">
+                <a16:creationId xmlns:a16="http://schemas.microsoft.com/office/drawing/2014/main" id="{30F77564-DFA5-5157-71D3-5D7E51F79874}"/>
+              </a:ext>
+            </a:extLst>
+          </p:cNvPr>
+          <p:cNvPicPr>
+            <a:picLocks noChangeAspect="1"/>
+          </p:cNvPicPr>
+          <p:nvPr/>
+        </p:nvPicPr>
+        <p:blipFill>
+          <a:blip r:embed="rId9"/>
+          <a:stretch>
+            <a:fillRect/>
+          </a:stretch>
+        </p:blipFill>
+        <p:spPr>
+          <a:xfrm>
+            <a:off x="4338544" y="2334636"/>
+            <a:ext cx="3982006" cy="1343212"/>
           </a:xfrm>
           <a:prstGeom prst="rect">
             <a:avLst/>
@@ -3449,7 +3582,7 @@
     </p:spTree>
     <p:extLst>
       <p:ext uri="{BB962C8B-B14F-4D97-AF65-F5344CB8AC3E}">
-        <p14:creationId xmlns:p14="http://schemas.microsoft.com/office/powerpoint/2010/main" val="365756870"/>
+        <p14:creationId xmlns:p14="http://schemas.microsoft.com/office/powerpoint/2010/main" val="3714450561"/>
       </p:ext>
     </p:extLst>
   </p:cSld>
@@ -3476,12 +3609,228 @@
           <a:chExt cx="0" cy="0"/>
         </a:xfrm>
       </p:grpSpPr>
-      <p:sp>
-        <p:nvSpPr>
-          <p:cNvPr id="2" name="TextBox 1">
-            <a:extLst>
-              <a:ext uri="{FF2B5EF4-FFF2-40B4-BE49-F238E27FC236}">
-                <a16:creationId xmlns:a16="http://schemas.microsoft.com/office/drawing/2014/main" id="{B35CC9F4-688C-7A8A-DB21-ECB6CE0C04A9}"/>
+      <p:pic>
+        <p:nvPicPr>
+          <p:cNvPr id="4" name="그림 3">
+            <a:extLst>
+              <a:ext uri="{FF2B5EF4-FFF2-40B4-BE49-F238E27FC236}">
+                <a16:creationId xmlns:a16="http://schemas.microsoft.com/office/drawing/2014/main" id="{14F7C95C-0B35-44BC-3797-3AA8DAC125D2}"/>
+              </a:ext>
+            </a:extLst>
+          </p:cNvPr>
+          <p:cNvPicPr>
+            <a:picLocks noChangeAspect="1"/>
+          </p:cNvPicPr>
+          <p:nvPr/>
+        </p:nvPicPr>
+        <p:blipFill>
+          <a:blip r:embed="rId2"/>
+          <a:stretch>
+            <a:fillRect/>
+          </a:stretch>
+        </p:blipFill>
+        <p:spPr>
+          <a:xfrm>
+            <a:off x="343290" y="814450"/>
+            <a:ext cx="3429479" cy="628738"/>
+          </a:xfrm>
+          <a:prstGeom prst="rect">
+            <a:avLst/>
+          </a:prstGeom>
+        </p:spPr>
+      </p:pic>
+      <p:pic>
+        <p:nvPicPr>
+          <p:cNvPr id="5" name="그림 4">
+            <a:extLst>
+              <a:ext uri="{FF2B5EF4-FFF2-40B4-BE49-F238E27FC236}">
+                <a16:creationId xmlns:a16="http://schemas.microsoft.com/office/drawing/2014/main" id="{F9ADCD8E-2EA3-C063-326E-FA96A44E0DEB}"/>
+              </a:ext>
+            </a:extLst>
+          </p:cNvPr>
+          <p:cNvPicPr>
+            <a:picLocks noChangeAspect="1"/>
+          </p:cNvPicPr>
+          <p:nvPr/>
+        </p:nvPicPr>
+        <p:blipFill>
+          <a:blip r:embed="rId3"/>
+          <a:stretch>
+            <a:fillRect/>
+          </a:stretch>
+        </p:blipFill>
+        <p:spPr>
+          <a:xfrm>
+            <a:off x="4299283" y="1032777"/>
+            <a:ext cx="2857899" cy="171474"/>
+          </a:xfrm>
+          <a:prstGeom prst="rect">
+            <a:avLst/>
+          </a:prstGeom>
+        </p:spPr>
+      </p:pic>
+      <p:cxnSp>
+        <p:nvCxnSpPr>
+          <p:cNvPr id="6" name="직선 연결선 5">
+            <a:extLst>
+              <a:ext uri="{FF2B5EF4-FFF2-40B4-BE49-F238E27FC236}">
+                <a16:creationId xmlns:a16="http://schemas.microsoft.com/office/drawing/2014/main" id="{8DD211C8-D439-333B-A798-CC4816E6C155}"/>
+              </a:ext>
+            </a:extLst>
+          </p:cNvPr>
+          <p:cNvCxnSpPr/>
+          <p:nvPr/>
+        </p:nvCxnSpPr>
+        <p:spPr>
+          <a:xfrm>
+            <a:off x="540697" y="1742516"/>
+            <a:ext cx="10995439" cy="0"/>
+          </a:xfrm>
+          <a:prstGeom prst="line">
+            <a:avLst/>
+          </a:prstGeom>
+        </p:spPr>
+        <p:style>
+          <a:lnRef idx="1">
+            <a:schemeClr val="accent1"/>
+          </a:lnRef>
+          <a:fillRef idx="0">
+            <a:schemeClr val="accent1"/>
+          </a:fillRef>
+          <a:effectRef idx="0">
+            <a:schemeClr val="accent1"/>
+          </a:effectRef>
+          <a:fontRef idx="minor">
+            <a:schemeClr val="tx1"/>
+          </a:fontRef>
+        </p:style>
+      </p:cxnSp>
+      <p:pic>
+        <p:nvPicPr>
+          <p:cNvPr id="10" name="그림 9">
+            <a:extLst>
+              <a:ext uri="{FF2B5EF4-FFF2-40B4-BE49-F238E27FC236}">
+                <a16:creationId xmlns:a16="http://schemas.microsoft.com/office/drawing/2014/main" id="{0B519FC6-4FA1-8173-1B10-F84F0F9BD28E}"/>
+              </a:ext>
+            </a:extLst>
+          </p:cNvPr>
+          <p:cNvPicPr>
+            <a:picLocks noChangeAspect="1"/>
+          </p:cNvPicPr>
+          <p:nvPr/>
+        </p:nvPicPr>
+        <p:blipFill>
+          <a:blip r:embed="rId4"/>
+          <a:stretch>
+            <a:fillRect/>
+          </a:stretch>
+        </p:blipFill>
+        <p:spPr>
+          <a:xfrm>
+            <a:off x="467133" y="2686129"/>
+            <a:ext cx="3353268" cy="447737"/>
+          </a:xfrm>
+          <a:prstGeom prst="rect">
+            <a:avLst/>
+          </a:prstGeom>
+        </p:spPr>
+      </p:pic>
+      <p:pic>
+        <p:nvPicPr>
+          <p:cNvPr id="12" name="그림 11">
+            <a:extLst>
+              <a:ext uri="{FF2B5EF4-FFF2-40B4-BE49-F238E27FC236}">
+                <a16:creationId xmlns:a16="http://schemas.microsoft.com/office/drawing/2014/main" id="{826EB374-5D20-434E-E8CB-676615ABC3DC}"/>
+              </a:ext>
+            </a:extLst>
+          </p:cNvPr>
+          <p:cNvPicPr>
+            <a:picLocks noChangeAspect="1"/>
+          </p:cNvPicPr>
+          <p:nvPr/>
+        </p:nvPicPr>
+        <p:blipFill>
+          <a:blip r:embed="rId5"/>
+          <a:stretch>
+            <a:fillRect/>
+          </a:stretch>
+        </p:blipFill>
+        <p:spPr>
+          <a:xfrm>
+            <a:off x="419501" y="1971148"/>
+            <a:ext cx="3400900" cy="619211"/>
+          </a:xfrm>
+          <a:prstGeom prst="rect">
+            <a:avLst/>
+          </a:prstGeom>
+        </p:spPr>
+      </p:pic>
+      <p:pic>
+        <p:nvPicPr>
+          <p:cNvPr id="14" name="그림 13">
+            <a:extLst>
+              <a:ext uri="{FF2B5EF4-FFF2-40B4-BE49-F238E27FC236}">
+                <a16:creationId xmlns:a16="http://schemas.microsoft.com/office/drawing/2014/main" id="{BCE3D89D-40BE-66CF-11DF-C437BB5AC953}"/>
+              </a:ext>
+            </a:extLst>
+          </p:cNvPr>
+          <p:cNvPicPr>
+            <a:picLocks noChangeAspect="1"/>
+          </p:cNvPicPr>
+          <p:nvPr/>
+        </p:nvPicPr>
+        <p:blipFill>
+          <a:blip r:embed="rId6"/>
+          <a:stretch>
+            <a:fillRect/>
+          </a:stretch>
+        </p:blipFill>
+        <p:spPr>
+          <a:xfrm>
+            <a:off x="4299283" y="2773113"/>
+            <a:ext cx="1409897" cy="238158"/>
+          </a:xfrm>
+          <a:prstGeom prst="rect">
+            <a:avLst/>
+          </a:prstGeom>
+        </p:spPr>
+      </p:pic>
+      <p:pic>
+        <p:nvPicPr>
+          <p:cNvPr id="16" name="그림 15">
+            <a:extLst>
+              <a:ext uri="{FF2B5EF4-FFF2-40B4-BE49-F238E27FC236}">
+                <a16:creationId xmlns:a16="http://schemas.microsoft.com/office/drawing/2014/main" id="{6D462430-325F-44CE-9076-16446BEF4CAF}"/>
+              </a:ext>
+            </a:extLst>
+          </p:cNvPr>
+          <p:cNvPicPr>
+            <a:picLocks noChangeAspect="1"/>
+          </p:cNvPicPr>
+          <p:nvPr/>
+        </p:nvPicPr>
+        <p:blipFill>
+          <a:blip r:embed="rId7"/>
+          <a:stretch>
+            <a:fillRect/>
+          </a:stretch>
+        </p:blipFill>
+        <p:spPr>
+          <a:xfrm>
+            <a:off x="4299283" y="2236488"/>
+            <a:ext cx="1895740" cy="247685"/>
+          </a:xfrm>
+          <a:prstGeom prst="rect">
+            <a:avLst/>
+          </a:prstGeom>
+        </p:spPr>
+      </p:pic>
+      <p:sp>
+        <p:nvSpPr>
+          <p:cNvPr id="9" name="TextBox 8">
+            <a:extLst>
+              <a:ext uri="{FF2B5EF4-FFF2-40B4-BE49-F238E27FC236}">
+                <a16:creationId xmlns:a16="http://schemas.microsoft.com/office/drawing/2014/main" id="{B21C524E-E262-8304-22CF-81A659833CA0}"/>
               </a:ext>
             </a:extLst>
           </p:cNvPr>
@@ -3491,7 +3840,7 @@
         <p:spPr>
           <a:xfrm>
             <a:off x="299803" y="217357"/>
-            <a:ext cx="944489" cy="369332"/>
+            <a:ext cx="1872629" cy="369332"/>
           </a:xfrm>
           <a:prstGeom prst="rect">
             <a:avLst/>
@@ -3506,16 +3855,208 @@
           <a:p>
             <a:r>
               <a:rPr lang="en-US" altLang="ko-KR" dirty="0"/>
-              <a:t>111111</a:t>
+              <a:t>UI-SJN-01-001U</a:t>
             </a:r>
             <a:endParaRPr lang="ko-KR" altLang="en-US" dirty="0"/>
           </a:p>
         </p:txBody>
       </p:sp>
+      <p:cxnSp>
+        <p:nvCxnSpPr>
+          <p:cNvPr id="11" name="직선 연결선 10">
+            <a:extLst>
+              <a:ext uri="{FF2B5EF4-FFF2-40B4-BE49-F238E27FC236}">
+                <a16:creationId xmlns:a16="http://schemas.microsoft.com/office/drawing/2014/main" id="{7D90B815-9DDB-30D8-5CF1-6FB269956FC4}"/>
+              </a:ext>
+            </a:extLst>
+          </p:cNvPr>
+          <p:cNvCxnSpPr/>
+          <p:nvPr/>
+        </p:nvCxnSpPr>
+        <p:spPr>
+          <a:xfrm>
+            <a:off x="540697" y="3448852"/>
+            <a:ext cx="10995439" cy="0"/>
+          </a:xfrm>
+          <a:prstGeom prst="line">
+            <a:avLst/>
+          </a:prstGeom>
+        </p:spPr>
+        <p:style>
+          <a:lnRef idx="1">
+            <a:schemeClr val="accent1"/>
+          </a:lnRef>
+          <a:fillRef idx="0">
+            <a:schemeClr val="accent1"/>
+          </a:fillRef>
+          <a:effectRef idx="0">
+            <a:schemeClr val="accent1"/>
+          </a:effectRef>
+          <a:fontRef idx="minor">
+            <a:schemeClr val="tx1"/>
+          </a:fontRef>
+        </p:style>
+      </p:cxnSp>
+      <p:pic>
+        <p:nvPicPr>
+          <p:cNvPr id="3" name="그림 2">
+            <a:extLst>
+              <a:ext uri="{FF2B5EF4-FFF2-40B4-BE49-F238E27FC236}">
+                <a16:creationId xmlns:a16="http://schemas.microsoft.com/office/drawing/2014/main" id="{C49C8CBC-8CB2-DEE8-4BE4-0EECE2A67AB7}"/>
+              </a:ext>
+            </a:extLst>
+          </p:cNvPr>
+          <p:cNvPicPr>
+            <a:picLocks noChangeAspect="1"/>
+          </p:cNvPicPr>
+          <p:nvPr/>
+        </p:nvPicPr>
+        <p:blipFill>
+          <a:blip r:embed="rId8"/>
+          <a:stretch>
+            <a:fillRect/>
+          </a:stretch>
+        </p:blipFill>
+        <p:spPr>
+          <a:xfrm>
+            <a:off x="540697" y="3908637"/>
+            <a:ext cx="1152686" cy="504895"/>
+          </a:xfrm>
+          <a:prstGeom prst="rect">
+            <a:avLst/>
+          </a:prstGeom>
+        </p:spPr>
+      </p:pic>
+      <p:pic>
+        <p:nvPicPr>
+          <p:cNvPr id="8" name="그림 7">
+            <a:extLst>
+              <a:ext uri="{FF2B5EF4-FFF2-40B4-BE49-F238E27FC236}">
+                <a16:creationId xmlns:a16="http://schemas.microsoft.com/office/drawing/2014/main" id="{0805622C-91BC-DFE4-1833-FF74A51CAE88}"/>
+              </a:ext>
+            </a:extLst>
+          </p:cNvPr>
+          <p:cNvPicPr>
+            <a:picLocks noChangeAspect="1"/>
+          </p:cNvPicPr>
+          <p:nvPr/>
+        </p:nvPicPr>
+        <p:blipFill>
+          <a:blip r:embed="rId9"/>
+          <a:stretch>
+            <a:fillRect/>
+          </a:stretch>
+        </p:blipFill>
+        <p:spPr>
+          <a:xfrm>
+            <a:off x="4299283" y="3961576"/>
+            <a:ext cx="1209844" cy="228632"/>
+          </a:xfrm>
+          <a:prstGeom prst="rect">
+            <a:avLst/>
+          </a:prstGeom>
+        </p:spPr>
+      </p:pic>
+      <p:pic>
+        <p:nvPicPr>
+          <p:cNvPr id="15" name="그림 14">
+            <a:extLst>
+              <a:ext uri="{FF2B5EF4-FFF2-40B4-BE49-F238E27FC236}">
+                <a16:creationId xmlns:a16="http://schemas.microsoft.com/office/drawing/2014/main" id="{4466A1CB-2CCE-AD53-5BD8-501C8D343671}"/>
+              </a:ext>
+            </a:extLst>
+          </p:cNvPr>
+          <p:cNvPicPr>
+            <a:picLocks noChangeAspect="1"/>
+          </p:cNvPicPr>
+          <p:nvPr/>
+        </p:nvPicPr>
+        <p:blipFill>
+          <a:blip r:embed="rId10"/>
+          <a:stretch>
+            <a:fillRect/>
+          </a:stretch>
+        </p:blipFill>
+        <p:spPr>
+          <a:xfrm>
+            <a:off x="540697" y="5307438"/>
+            <a:ext cx="3429479" cy="390580"/>
+          </a:xfrm>
+          <a:prstGeom prst="rect">
+            <a:avLst/>
+          </a:prstGeom>
+        </p:spPr>
+      </p:pic>
+      <p:cxnSp>
+        <p:nvCxnSpPr>
+          <p:cNvPr id="17" name="직선 연결선 16">
+            <a:extLst>
+              <a:ext uri="{FF2B5EF4-FFF2-40B4-BE49-F238E27FC236}">
+                <a16:creationId xmlns:a16="http://schemas.microsoft.com/office/drawing/2014/main" id="{C3326805-F014-C217-702A-C8267AD6C62E}"/>
+              </a:ext>
+            </a:extLst>
+          </p:cNvPr>
+          <p:cNvCxnSpPr/>
+          <p:nvPr/>
+        </p:nvCxnSpPr>
+        <p:spPr>
+          <a:xfrm>
+            <a:off x="540697" y="4934752"/>
+            <a:ext cx="10995439" cy="0"/>
+          </a:xfrm>
+          <a:prstGeom prst="line">
+            <a:avLst/>
+          </a:prstGeom>
+        </p:spPr>
+        <p:style>
+          <a:lnRef idx="1">
+            <a:schemeClr val="accent1"/>
+          </a:lnRef>
+          <a:fillRef idx="0">
+            <a:schemeClr val="accent1"/>
+          </a:fillRef>
+          <a:effectRef idx="0">
+            <a:schemeClr val="accent1"/>
+          </a:effectRef>
+          <a:fontRef idx="minor">
+            <a:schemeClr val="tx1"/>
+          </a:fontRef>
+        </p:style>
+      </p:cxnSp>
+      <p:pic>
+        <p:nvPicPr>
+          <p:cNvPr id="19" name="그림 18">
+            <a:extLst>
+              <a:ext uri="{FF2B5EF4-FFF2-40B4-BE49-F238E27FC236}">
+                <a16:creationId xmlns:a16="http://schemas.microsoft.com/office/drawing/2014/main" id="{3123D8D6-4BC3-CDEB-4A3F-D53C3A8076E8}"/>
+              </a:ext>
+            </a:extLst>
+          </p:cNvPr>
+          <p:cNvPicPr>
+            <a:picLocks noChangeAspect="1"/>
+          </p:cNvPicPr>
+          <p:nvPr/>
+        </p:nvPicPr>
+        <p:blipFill>
+          <a:blip r:embed="rId11"/>
+          <a:stretch>
+            <a:fillRect/>
+          </a:stretch>
+        </p:blipFill>
+        <p:spPr>
+          <a:xfrm>
+            <a:off x="4299283" y="5412228"/>
+            <a:ext cx="2314898" cy="181000"/>
+          </a:xfrm>
+          <a:prstGeom prst="rect">
+            <a:avLst/>
+          </a:prstGeom>
+        </p:spPr>
+      </p:pic>
     </p:spTree>
     <p:extLst>
       <p:ext uri="{BB962C8B-B14F-4D97-AF65-F5344CB8AC3E}">
-        <p14:creationId xmlns:p14="http://schemas.microsoft.com/office/powerpoint/2010/main" val="4282395024"/>
+        <p14:creationId xmlns:p14="http://schemas.microsoft.com/office/powerpoint/2010/main" val="365756870"/>
       </p:ext>
     </p:extLst>
   </p:cSld>
@@ -3557,7 +4098,7 @@
         <p:spPr>
           <a:xfrm>
             <a:off x="299803" y="217357"/>
-            <a:ext cx="944489" cy="369332"/>
+            <a:ext cx="1872629" cy="369332"/>
           </a:xfrm>
           <a:prstGeom prst="rect">
             <a:avLst/>
@@ -3572,16 +4113,112 @@
           <a:p>
             <a:r>
               <a:rPr lang="en-US" altLang="ko-KR" dirty="0"/>
-              <a:t>111111</a:t>
+              <a:t>UI-SJN-01-001U</a:t>
             </a:r>
             <a:endParaRPr lang="ko-KR" altLang="en-US" dirty="0"/>
           </a:p>
         </p:txBody>
       </p:sp>
+      <p:pic>
+        <p:nvPicPr>
+          <p:cNvPr id="4" name="그림 3">
+            <a:extLst>
+              <a:ext uri="{FF2B5EF4-FFF2-40B4-BE49-F238E27FC236}">
+                <a16:creationId xmlns:a16="http://schemas.microsoft.com/office/drawing/2014/main" id="{84329C3F-0132-063F-1E84-AD6DCE3A8C3A}"/>
+              </a:ext>
+            </a:extLst>
+          </p:cNvPr>
+          <p:cNvPicPr>
+            <a:picLocks noChangeAspect="1"/>
+          </p:cNvPicPr>
+          <p:nvPr/>
+        </p:nvPicPr>
+        <p:blipFill>
+          <a:blip r:embed="rId2"/>
+          <a:stretch>
+            <a:fillRect/>
+          </a:stretch>
+        </p:blipFill>
+        <p:spPr>
+          <a:xfrm>
+            <a:off x="299803" y="816396"/>
+            <a:ext cx="2257740" cy="457264"/>
+          </a:xfrm>
+          <a:prstGeom prst="rect">
+            <a:avLst/>
+          </a:prstGeom>
+        </p:spPr>
+      </p:pic>
+      <p:cxnSp>
+        <p:nvCxnSpPr>
+          <p:cNvPr id="7" name="직선 연결선 6">
+            <a:extLst>
+              <a:ext uri="{FF2B5EF4-FFF2-40B4-BE49-F238E27FC236}">
+                <a16:creationId xmlns:a16="http://schemas.microsoft.com/office/drawing/2014/main" id="{B61133DE-2985-25FD-26C2-7DF0945E116F}"/>
+              </a:ext>
+            </a:extLst>
+          </p:cNvPr>
+          <p:cNvCxnSpPr/>
+          <p:nvPr/>
+        </p:nvCxnSpPr>
+        <p:spPr>
+          <a:xfrm>
+            <a:off x="540697" y="1742516"/>
+            <a:ext cx="10995439" cy="0"/>
+          </a:xfrm>
+          <a:prstGeom prst="line">
+            <a:avLst/>
+          </a:prstGeom>
+        </p:spPr>
+        <p:style>
+          <a:lnRef idx="1">
+            <a:schemeClr val="accent1"/>
+          </a:lnRef>
+          <a:fillRef idx="0">
+            <a:schemeClr val="accent1"/>
+          </a:fillRef>
+          <a:effectRef idx="0">
+            <a:schemeClr val="accent1"/>
+          </a:effectRef>
+          <a:fontRef idx="minor">
+            <a:schemeClr val="tx1"/>
+          </a:fontRef>
+        </p:style>
+      </p:cxnSp>
+      <p:pic>
+        <p:nvPicPr>
+          <p:cNvPr id="9" name="그림 8">
+            <a:extLst>
+              <a:ext uri="{FF2B5EF4-FFF2-40B4-BE49-F238E27FC236}">
+                <a16:creationId xmlns:a16="http://schemas.microsoft.com/office/drawing/2014/main" id="{0F18723B-F1C9-0B18-AA1B-BDD3FE083FE4}"/>
+              </a:ext>
+            </a:extLst>
+          </p:cNvPr>
+          <p:cNvPicPr>
+            <a:picLocks noChangeAspect="1"/>
+          </p:cNvPicPr>
+          <p:nvPr/>
+        </p:nvPicPr>
+        <p:blipFill>
+          <a:blip r:embed="rId3"/>
+          <a:stretch>
+            <a:fillRect/>
+          </a:stretch>
+        </p:blipFill>
+        <p:spPr>
+          <a:xfrm>
+            <a:off x="4242491" y="911659"/>
+            <a:ext cx="3086531" cy="266737"/>
+          </a:xfrm>
+          <a:prstGeom prst="rect">
+            <a:avLst/>
+          </a:prstGeom>
+        </p:spPr>
+      </p:pic>
     </p:spTree>
     <p:extLst>
       <p:ext uri="{BB962C8B-B14F-4D97-AF65-F5344CB8AC3E}">
-        <p14:creationId xmlns:p14="http://schemas.microsoft.com/office/powerpoint/2010/main" val="2351975111"/>
+        <p14:creationId xmlns:p14="http://schemas.microsoft.com/office/powerpoint/2010/main" val="4282395024"/>
       </p:ext>
     </p:extLst>
   </p:cSld>
@@ -3647,7 +4284,7 @@
     </p:spTree>
     <p:extLst>
       <p:ext uri="{BB962C8B-B14F-4D97-AF65-F5344CB8AC3E}">
-        <p14:creationId xmlns:p14="http://schemas.microsoft.com/office/powerpoint/2010/main" val="3084232163"/>
+        <p14:creationId xmlns:p14="http://schemas.microsoft.com/office/powerpoint/2010/main" val="2351975111"/>
       </p:ext>
     </p:extLst>
   </p:cSld>
@@ -3713,6 +4350,72 @@
     </p:spTree>
     <p:extLst>
       <p:ext uri="{BB962C8B-B14F-4D97-AF65-F5344CB8AC3E}">
+        <p14:creationId xmlns:p14="http://schemas.microsoft.com/office/powerpoint/2010/main" val="3084232163"/>
+      </p:ext>
+    </p:extLst>
+  </p:cSld>
+  <p:clrMapOvr>
+    <a:masterClrMapping/>
+  </p:clrMapOvr>
+</p:sld>
+</file>
+
+<file path=ppt/slides/slide15.xml><?xml version="1.0" encoding="utf-8"?>
+<p:sld xmlns:a="http://schemas.openxmlformats.org/drawingml/2006/main" xmlns:r="http://schemas.openxmlformats.org/officeDocument/2006/relationships" xmlns:p="http://schemas.openxmlformats.org/presentationml/2006/main">
+  <p:cSld>
+    <p:spTree>
+      <p:nvGrpSpPr>
+        <p:cNvPr id="1" name=""/>
+        <p:cNvGrpSpPr/>
+        <p:nvPr/>
+      </p:nvGrpSpPr>
+      <p:grpSpPr>
+        <a:xfrm>
+          <a:off x="0" y="0"/>
+          <a:ext cx="0" cy="0"/>
+          <a:chOff x="0" y="0"/>
+          <a:chExt cx="0" cy="0"/>
+        </a:xfrm>
+      </p:grpSpPr>
+      <p:sp>
+        <p:nvSpPr>
+          <p:cNvPr id="2" name="TextBox 1">
+            <a:extLst>
+              <a:ext uri="{FF2B5EF4-FFF2-40B4-BE49-F238E27FC236}">
+                <a16:creationId xmlns:a16="http://schemas.microsoft.com/office/drawing/2014/main" id="{B35CC9F4-688C-7A8A-DB21-ECB6CE0C04A9}"/>
+              </a:ext>
+            </a:extLst>
+          </p:cNvPr>
+          <p:cNvSpPr txBox="1"/>
+          <p:nvPr/>
+        </p:nvSpPr>
+        <p:spPr>
+          <a:xfrm>
+            <a:off x="299803" y="217357"/>
+            <a:ext cx="944489" cy="369332"/>
+          </a:xfrm>
+          <a:prstGeom prst="rect">
+            <a:avLst/>
+          </a:prstGeom>
+          <a:noFill/>
+        </p:spPr>
+        <p:txBody>
+          <a:bodyPr wrap="none" rtlCol="0">
+            <a:spAutoFit/>
+          </a:bodyPr>
+          <a:lstStyle/>
+          <a:p>
+            <a:r>
+              <a:rPr lang="en-US" altLang="ko-KR" dirty="0"/>
+              <a:t>111111</a:t>
+            </a:r>
+            <a:endParaRPr lang="ko-KR" altLang="en-US" dirty="0"/>
+          </a:p>
+        </p:txBody>
+      </p:sp>
+    </p:spTree>
+    <p:extLst>
+      <p:ext uri="{BB962C8B-B14F-4D97-AF65-F5344CB8AC3E}">
         <p14:creationId xmlns:p14="http://schemas.microsoft.com/office/powerpoint/2010/main" val="3392311031"/>
       </p:ext>
     </p:extLst>
@@ -3723,7 +4426,7 @@
 </p:sld>
 </file>
 
-<file path=ppt/slides/slide15.xml><?xml version="1.0" encoding="utf-8"?>
+<file path=ppt/slides/slide16.xml><?xml version="1.0" encoding="utf-8"?>
 <p:sld xmlns:a="http://schemas.openxmlformats.org/drawingml/2006/main" xmlns:r="http://schemas.openxmlformats.org/officeDocument/2006/relationships" xmlns:p="http://schemas.openxmlformats.org/presentationml/2006/main">
   <p:cSld>
     <p:spTree>
@@ -5699,7 +6402,7 @@
         <p:spPr>
           <a:xfrm>
             <a:off x="299803" y="217357"/>
-            <a:ext cx="1872629" cy="369332"/>
+            <a:ext cx="787395" cy="369332"/>
           </a:xfrm>
           <a:prstGeom prst="rect">
             <a:avLst/>
@@ -5714,108 +6417,26 @@
           <a:p>
             <a:r>
               <a:rPr lang="en-US" altLang="ko-KR" dirty="0"/>
-              <a:t>UI-SJN-01-001U</a:t>
+              <a:t>[</a:t>
+            </a:r>
+            <a:r>
+              <a:rPr lang="ko-KR" altLang="en-US" dirty="0"/>
+              <a:t>공통</a:t>
+            </a:r>
+            <a:r>
+              <a:rPr lang="en-US" altLang="ko-KR" dirty="0"/>
+              <a:t>]</a:t>
             </a:r>
             <a:endParaRPr lang="ko-KR" altLang="en-US" dirty="0"/>
           </a:p>
         </p:txBody>
       </p:sp>
-      <p:pic>
-        <p:nvPicPr>
-          <p:cNvPr id="4" name="그림 3">
-            <a:extLst>
-              <a:ext uri="{FF2B5EF4-FFF2-40B4-BE49-F238E27FC236}">
-                <a16:creationId xmlns:a16="http://schemas.microsoft.com/office/drawing/2014/main" id="{29EDA5A0-6B99-A643-922A-5D6E28FFD7C8}"/>
-              </a:ext>
-            </a:extLst>
-          </p:cNvPr>
-          <p:cNvPicPr>
-            <a:picLocks noChangeAspect="1"/>
-          </p:cNvPicPr>
-          <p:nvPr/>
-        </p:nvPicPr>
-        <p:blipFill>
-          <a:blip r:embed="rId2"/>
-          <a:stretch>
-            <a:fillRect/>
-          </a:stretch>
-        </p:blipFill>
-        <p:spPr>
-          <a:xfrm>
-            <a:off x="623857" y="940891"/>
-            <a:ext cx="428685" cy="600159"/>
-          </a:xfrm>
-          <a:prstGeom prst="rect">
-            <a:avLst/>
-          </a:prstGeom>
-        </p:spPr>
-      </p:pic>
-      <p:pic>
-        <p:nvPicPr>
-          <p:cNvPr id="6" name="그림 5">
-            <a:extLst>
-              <a:ext uri="{FF2B5EF4-FFF2-40B4-BE49-F238E27FC236}">
-                <a16:creationId xmlns:a16="http://schemas.microsoft.com/office/drawing/2014/main" id="{263FFA7D-C11C-86C1-9439-139291AFC750}"/>
-              </a:ext>
-            </a:extLst>
-          </p:cNvPr>
-          <p:cNvPicPr>
-            <a:picLocks noChangeAspect="1"/>
-          </p:cNvPicPr>
-          <p:nvPr/>
-        </p:nvPicPr>
-        <p:blipFill>
-          <a:blip r:embed="rId3"/>
-          <a:stretch>
-            <a:fillRect/>
-          </a:stretch>
-        </p:blipFill>
-        <p:spPr>
-          <a:xfrm>
-            <a:off x="1221830" y="1031391"/>
-            <a:ext cx="2048161" cy="209579"/>
-          </a:xfrm>
-          <a:prstGeom prst="rect">
-            <a:avLst/>
-          </a:prstGeom>
-        </p:spPr>
-      </p:pic>
-      <p:pic>
-        <p:nvPicPr>
-          <p:cNvPr id="8" name="그림 7">
-            <a:extLst>
-              <a:ext uri="{FF2B5EF4-FFF2-40B4-BE49-F238E27FC236}">
-                <a16:creationId xmlns:a16="http://schemas.microsoft.com/office/drawing/2014/main" id="{F6D06211-EA49-6E3A-EFFD-826568055873}"/>
-              </a:ext>
-            </a:extLst>
-          </p:cNvPr>
-          <p:cNvPicPr>
-            <a:picLocks noChangeAspect="1"/>
-          </p:cNvPicPr>
-          <p:nvPr/>
-        </p:nvPicPr>
-        <p:blipFill>
-          <a:blip r:embed="rId4"/>
-          <a:stretch>
-            <a:fillRect/>
-          </a:stretch>
-        </p:blipFill>
-        <p:spPr>
-          <a:xfrm>
-            <a:off x="540697" y="1895252"/>
-            <a:ext cx="3410426" cy="543001"/>
-          </a:xfrm>
-          <a:prstGeom prst="rect">
-            <a:avLst/>
-          </a:prstGeom>
-        </p:spPr>
-      </p:pic>
       <p:cxnSp>
         <p:nvCxnSpPr>
-          <p:cNvPr id="14" name="직선 연결선 13">
-            <a:extLst>
-              <a:ext uri="{FF2B5EF4-FFF2-40B4-BE49-F238E27FC236}">
-                <a16:creationId xmlns:a16="http://schemas.microsoft.com/office/drawing/2014/main" id="{434D0179-97A0-AB8D-DDA1-9071FC863C09}"/>
+          <p:cNvPr id="6" name="직선 연결선 5">
+            <a:extLst>
+              <a:ext uri="{FF2B5EF4-FFF2-40B4-BE49-F238E27FC236}">
+                <a16:creationId xmlns:a16="http://schemas.microsoft.com/office/drawing/2014/main" id="{5D45C1E1-F3EC-07D3-A673-483AA5760BB6}"/>
               </a:ext>
             </a:extLst>
           </p:cNvPr>
@@ -5824,43 +6445,7 @@
         </p:nvCxnSpPr>
         <p:spPr>
           <a:xfrm>
-            <a:off x="540697" y="1738993"/>
-            <a:ext cx="10995439" cy="0"/>
-          </a:xfrm>
-          <a:prstGeom prst="line">
-            <a:avLst/>
-          </a:prstGeom>
-        </p:spPr>
-        <p:style>
-          <a:lnRef idx="1">
-            <a:schemeClr val="accent1"/>
-          </a:lnRef>
-          <a:fillRef idx="0">
-            <a:schemeClr val="accent1"/>
-          </a:fillRef>
-          <a:effectRef idx="0">
-            <a:schemeClr val="accent1"/>
-          </a:effectRef>
-          <a:fontRef idx="minor">
-            <a:schemeClr val="tx1"/>
-          </a:fontRef>
-        </p:style>
-      </p:cxnSp>
-      <p:cxnSp>
-        <p:nvCxnSpPr>
-          <p:cNvPr id="15" name="직선 연결선 14">
-            <a:extLst>
-              <a:ext uri="{FF2B5EF4-FFF2-40B4-BE49-F238E27FC236}">
-                <a16:creationId xmlns:a16="http://schemas.microsoft.com/office/drawing/2014/main" id="{EE56837E-DB0D-4B1D-BC88-666030C49F9B}"/>
-              </a:ext>
-            </a:extLst>
-          </p:cNvPr>
-          <p:cNvCxnSpPr/>
-          <p:nvPr/>
-        </p:nvCxnSpPr>
-        <p:spPr>
-          <a:xfrm>
-            <a:off x="540697" y="3992336"/>
+            <a:off x="540697" y="5478236"/>
             <a:ext cx="10995439" cy="0"/>
           </a:xfrm>
           <a:prstGeom prst="line">
@@ -5884,10 +6469,10 @@
       </p:cxnSp>
       <p:pic>
         <p:nvPicPr>
-          <p:cNvPr id="17" name="그림 16">
-            <a:extLst>
-              <a:ext uri="{FF2B5EF4-FFF2-40B4-BE49-F238E27FC236}">
-                <a16:creationId xmlns:a16="http://schemas.microsoft.com/office/drawing/2014/main" id="{BB83D63A-D18C-6C6D-5070-23DF8B7FBD82}"/>
+          <p:cNvPr id="9" name="그림 8">
+            <a:extLst>
+              <a:ext uri="{FF2B5EF4-FFF2-40B4-BE49-F238E27FC236}">
+                <a16:creationId xmlns:a16="http://schemas.microsoft.com/office/drawing/2014/main" id="{F77E7452-4B17-7D88-73CB-D8CD3ED00F6C}"/>
               </a:ext>
             </a:extLst>
           </p:cNvPr>
@@ -5897,27 +6482,111 @@
           <p:nvPr/>
         </p:nvPicPr>
         <p:blipFill>
-          <a:blip r:embed="rId5"/>
+          <a:blip r:embed="rId2"/>
           <a:stretch>
             <a:fillRect/>
           </a:stretch>
         </p:blipFill>
         <p:spPr>
           <a:xfrm>
-            <a:off x="540697" y="4321537"/>
-            <a:ext cx="2867425" cy="600159"/>
+            <a:off x="401159" y="836960"/>
+            <a:ext cx="2814683" cy="1906240"/>
           </a:xfrm>
           <a:prstGeom prst="rect">
             <a:avLst/>
           </a:prstGeom>
         </p:spPr>
       </p:pic>
+      <p:sp>
+        <p:nvSpPr>
+          <p:cNvPr id="13" name="TextBox 12">
+            <a:extLst>
+              <a:ext uri="{FF2B5EF4-FFF2-40B4-BE49-F238E27FC236}">
+                <a16:creationId xmlns:a16="http://schemas.microsoft.com/office/drawing/2014/main" id="{3C0EFC89-D54E-5940-16E4-BAC952150845}"/>
+              </a:ext>
+            </a:extLst>
+          </p:cNvPr>
+          <p:cNvSpPr txBox="1"/>
+          <p:nvPr/>
+        </p:nvSpPr>
+        <p:spPr>
+          <a:xfrm>
+            <a:off x="3845437" y="836959"/>
+            <a:ext cx="6058069" cy="697050"/>
+          </a:xfrm>
+          <a:prstGeom prst="rect">
+            <a:avLst/>
+          </a:prstGeom>
+          <a:noFill/>
+        </p:spPr>
+        <p:txBody>
+          <a:bodyPr wrap="none" rtlCol="0">
+            <a:spAutoFit/>
+          </a:bodyPr>
+          <a:lstStyle/>
+          <a:p>
+            <a:pPr marL="342900" indent="-342900">
+              <a:lnSpc>
+                <a:spcPct val="150000"/>
+              </a:lnSpc>
+              <a:buFont typeface="+mj-lt"/>
+              <a:buAutoNum type="arabicPeriod"/>
+            </a:pPr>
+            <a:r>
+              <a:rPr lang="ko-KR" altLang="en-US" sz="1400" dirty="0" err="1"/>
+              <a:t>창닫기</a:t>
+            </a:r>
+            <a:r>
+              <a:rPr lang="ko-KR" altLang="en-US" sz="1400" dirty="0"/>
+              <a:t> 버튼 포커스에서 </a:t>
+            </a:r>
+            <a:r>
+              <a:rPr lang="ko-KR" altLang="en-US" sz="1400" dirty="0" err="1"/>
+              <a:t>탭키</a:t>
+            </a:r>
+            <a:r>
+              <a:rPr lang="ko-KR" altLang="en-US" sz="1400" dirty="0"/>
+              <a:t> </a:t>
+            </a:r>
+            <a:r>
+              <a:rPr lang="ko-KR" altLang="en-US" sz="1400" dirty="0" err="1"/>
+              <a:t>눌렀을경우</a:t>
+            </a:r>
+            <a:r>
+              <a:rPr lang="ko-KR" altLang="en-US" sz="1400" dirty="0"/>
+              <a:t> 다시 레이어로 포커스 이동</a:t>
+            </a:r>
+            <a:endParaRPr lang="en-US" altLang="ko-KR" sz="1400" dirty="0"/>
+          </a:p>
+          <a:p>
+            <a:pPr marL="342900" indent="-342900">
+              <a:lnSpc>
+                <a:spcPct val="150000"/>
+              </a:lnSpc>
+              <a:buFont typeface="+mj-lt"/>
+              <a:buAutoNum type="arabicPeriod"/>
+            </a:pPr>
+            <a:r>
+              <a:rPr lang="ko-KR" altLang="en-US" sz="1400" dirty="0"/>
+              <a:t>도움말 열림</a:t>
+            </a:r>
+            <a:r>
+              <a:rPr lang="en-US" altLang="ko-KR" sz="1400" dirty="0"/>
+              <a:t>/</a:t>
+            </a:r>
+            <a:r>
+              <a:rPr lang="ko-KR" altLang="en-US" sz="1400" dirty="0"/>
+              <a:t>닫힘</a:t>
+            </a:r>
+          </a:p>
+        </p:txBody>
+      </p:sp>
       <p:pic>
         <p:nvPicPr>
-          <p:cNvPr id="19" name="그림 18">
-            <a:extLst>
-              <a:ext uri="{FF2B5EF4-FFF2-40B4-BE49-F238E27FC236}">
-                <a16:creationId xmlns:a16="http://schemas.microsoft.com/office/drawing/2014/main" id="{9826163D-FD24-8CFC-D1B4-916F87C11160}"/>
+          <p:cNvPr id="4" name="그림 3">
+            <a:extLst>
+              <a:ext uri="{FF2B5EF4-FFF2-40B4-BE49-F238E27FC236}">
+                <a16:creationId xmlns:a16="http://schemas.microsoft.com/office/drawing/2014/main" id="{05BCE57C-8FA7-9A7F-299E-BDD2B06597D9}"/>
               </a:ext>
             </a:extLst>
           </p:cNvPr>
@@ -5927,15 +6596,15 @@
           <p:nvPr/>
         </p:nvPicPr>
         <p:blipFill>
-          <a:blip r:embed="rId6"/>
+          <a:blip r:embed="rId3"/>
           <a:stretch>
             <a:fillRect/>
           </a:stretch>
         </p:blipFill>
         <p:spPr>
           <a:xfrm>
-            <a:off x="4128074" y="4334357"/>
-            <a:ext cx="2857899" cy="171474"/>
+            <a:off x="401159" y="3069676"/>
+            <a:ext cx="3182962" cy="1128932"/>
           </a:xfrm>
           <a:prstGeom prst="rect">
             <a:avLst/>
@@ -5944,10 +6613,10 @@
       </p:pic>
       <p:pic>
         <p:nvPicPr>
-          <p:cNvPr id="25" name="그림 24">
-            <a:extLst>
-              <a:ext uri="{FF2B5EF4-FFF2-40B4-BE49-F238E27FC236}">
-                <a16:creationId xmlns:a16="http://schemas.microsoft.com/office/drawing/2014/main" id="{FD5FDA22-5FF7-93CC-B28D-FF26E58DD31D}"/>
+          <p:cNvPr id="7" name="그림 6">
+            <a:extLst>
+              <a:ext uri="{FF2B5EF4-FFF2-40B4-BE49-F238E27FC236}">
+                <a16:creationId xmlns:a16="http://schemas.microsoft.com/office/drawing/2014/main" id="{92B0EF09-18B1-625B-E198-17ADC258DC27}"/>
               </a:ext>
             </a:extLst>
           </p:cNvPr>
@@ -5957,75 +6626,15 @@
           <p:nvPr/>
         </p:nvPicPr>
         <p:blipFill>
-          <a:blip r:embed="rId7"/>
+          <a:blip r:embed="rId4"/>
           <a:stretch>
             <a:fillRect/>
           </a:stretch>
         </p:blipFill>
         <p:spPr>
           <a:xfrm>
-            <a:off x="4127487" y="4706571"/>
-            <a:ext cx="6249272" cy="2000529"/>
-          </a:xfrm>
-          <a:prstGeom prst="rect">
-            <a:avLst/>
-          </a:prstGeom>
-        </p:spPr>
-      </p:pic>
-      <p:pic>
-        <p:nvPicPr>
-          <p:cNvPr id="5" name="그림 4">
-            <a:extLst>
-              <a:ext uri="{FF2B5EF4-FFF2-40B4-BE49-F238E27FC236}">
-                <a16:creationId xmlns:a16="http://schemas.microsoft.com/office/drawing/2014/main" id="{657AEC7C-F341-9141-E4BE-97B48B115C15}"/>
-              </a:ext>
-            </a:extLst>
-          </p:cNvPr>
-          <p:cNvPicPr>
-            <a:picLocks noChangeAspect="1"/>
-          </p:cNvPicPr>
-          <p:nvPr/>
-        </p:nvPicPr>
-        <p:blipFill>
-          <a:blip r:embed="rId8"/>
-          <a:stretch>
-            <a:fillRect/>
-          </a:stretch>
-        </p:blipFill>
-        <p:spPr>
-          <a:xfrm>
-            <a:off x="4338544" y="1914712"/>
-            <a:ext cx="1543265" cy="209579"/>
-          </a:xfrm>
-          <a:prstGeom prst="rect">
-            <a:avLst/>
-          </a:prstGeom>
-        </p:spPr>
-      </p:pic>
-      <p:pic>
-        <p:nvPicPr>
-          <p:cNvPr id="9" name="그림 8">
-            <a:extLst>
-              <a:ext uri="{FF2B5EF4-FFF2-40B4-BE49-F238E27FC236}">
-                <a16:creationId xmlns:a16="http://schemas.microsoft.com/office/drawing/2014/main" id="{30F77564-DFA5-5157-71D3-5D7E51F79874}"/>
-              </a:ext>
-            </a:extLst>
-          </p:cNvPr>
-          <p:cNvPicPr>
-            <a:picLocks noChangeAspect="1"/>
-          </p:cNvPicPr>
-          <p:nvPr/>
-        </p:nvPicPr>
-        <p:blipFill>
-          <a:blip r:embed="rId9"/>
-          <a:stretch>
-            <a:fillRect/>
-          </a:stretch>
-        </p:blipFill>
-        <p:spPr>
-          <a:xfrm>
-            <a:off x="4338544" y="2334636"/>
-            <a:ext cx="3982006" cy="1343212"/>
+            <a:off x="4175967" y="1790080"/>
+            <a:ext cx="933580" cy="209579"/>
           </a:xfrm>
           <a:prstGeom prst="rect">
             <a:avLst/>
@@ -6035,7 +6644,7 @@
     </p:spTree>
     <p:extLst>
       <p:ext uri="{BB962C8B-B14F-4D97-AF65-F5344CB8AC3E}">
-        <p14:creationId xmlns:p14="http://schemas.microsoft.com/office/powerpoint/2010/main" val="3714450561"/>
+        <p14:creationId xmlns:p14="http://schemas.microsoft.com/office/powerpoint/2010/main" val="611173061"/>
       </p:ext>
     </p:extLst>
   </p:cSld>
